--- a/Презентация Microsoft PowerPoint.pptx
+++ b/Презентация Microsoft PowerPoint.pptx
@@ -5,11 +5,17 @@
     <p:sldMasterId id="2147483648" r:id="rId1"/>
   </p:sldMasterIdLst>
   <p:notesMasterIdLst>
-    <p:notesMasterId r:id="rId4"/>
+    <p:notesMasterId r:id="rId10"/>
   </p:notesMasterIdLst>
   <p:sldIdLst>
     <p:sldId id="256" r:id="rId2"/>
-    <p:sldId id="258" r:id="rId3"/>
+    <p:sldId id="264" r:id="rId3"/>
+    <p:sldId id="259" r:id="rId4"/>
+    <p:sldId id="258" r:id="rId5"/>
+    <p:sldId id="260" r:id="rId6"/>
+    <p:sldId id="261" r:id="rId7"/>
+    <p:sldId id="263" r:id="rId8"/>
+    <p:sldId id="262" r:id="rId9"/>
   </p:sldIdLst>
   <p:sldSz cx="12192000" cy="6858000"/>
   <p:notesSz cx="6858000" cy="9144000"/>
@@ -108,6 +114,31 @@
       </a:defRPr>
     </a:lvl9pPr>
   </p:defaultTextStyle>
+  <p:extLst>
+    <p:ext uri="{521415D9-36F7-43E2-AB2F-B90AF26B5E84}">
+      <p14:sectionLst xmlns:p14="http://schemas.microsoft.com/office/powerpoint/2010/main">
+        <p14:section name="Раздел по умолчанию" id="{728DBF53-64CA-488D-A9D9-30090B52410E}">
+          <p14:sldIdLst>
+            <p14:sldId id="256"/>
+            <p14:sldId id="264"/>
+            <p14:sldId id="259"/>
+            <p14:sldId id="258"/>
+            <p14:sldId id="260"/>
+            <p14:sldId id="261"/>
+            <p14:sldId id="263"/>
+          </p14:sldIdLst>
+        </p14:section>
+        <p14:section name="Доп. материалы" id="{6AA036D8-BA15-4043-9407-FB428FEC957B}">
+          <p14:sldIdLst>
+            <p14:sldId id="262"/>
+          </p14:sldIdLst>
+        </p14:section>
+      </p14:sectionLst>
+    </p:ext>
+    <p:ext uri="{EFAFB233-063F-42B5-8137-9DF3F51BA10A}">
+      <p15:sldGuideLst xmlns:p15="http://schemas.microsoft.com/office/powerpoint/2012/main"/>
+    </p:ext>
+  </p:extLst>
 </p:presentation>
 </file>
 
@@ -193,7 +224,7 @@
           <a:p>
             <a:fld id="{314ECABA-3D13-454A-985D-3181A851457E}" type="datetimeFigureOut">
               <a:rPr lang="ru-RU" smtClean="0"/>
-              <a:t>12.02.2024</a:t>
+              <a:t>14.02.2024</a:t>
             </a:fld>
             <a:endParaRPr lang="ru-RU"/>
           </a:p>
@@ -504,7 +535,10 @@
           <a:bodyPr/>
           <a:lstStyle/>
           <a:p>
-            <a:endParaRPr lang="ru-RU" dirty="0"/>
+            <a:r>
+              <a:rPr lang="ru-RU" dirty="0"/>
+              <a:t>Целью проекта выступает создание серверной части веб-приложения, для автоматизации некоторых процессов управления автосервисом, а также для привлечения новых пользователей.</a:t>
+            </a:r>
           </a:p>
         </p:txBody>
       </p:sp>
@@ -534,7 +568,527 @@
     </p:spTree>
     <p:extLst>
       <p:ext uri="{BB962C8B-B14F-4D97-AF65-F5344CB8AC3E}">
+        <p14:creationId xmlns:p14="http://schemas.microsoft.com/office/powerpoint/2010/main" val="2468550571"/>
+      </p:ext>
+    </p:extLst>
+  </p:cSld>
+  <p:clrMapOvr>
+    <a:masterClrMapping/>
+  </p:clrMapOvr>
+</p:notes>
+</file>
+
+<file path=ppt/notesSlides/notesSlide2.xml><?xml version="1.0" encoding="utf-8"?>
+<p:notes xmlns:a="http://schemas.openxmlformats.org/drawingml/2006/main" xmlns:r="http://schemas.openxmlformats.org/officeDocument/2006/relationships" xmlns:p="http://schemas.openxmlformats.org/presentationml/2006/main">
+  <p:cSld>
+    <p:spTree>
+      <p:nvGrpSpPr>
+        <p:cNvPr id="1" name=""/>
+        <p:cNvGrpSpPr/>
+        <p:nvPr/>
+      </p:nvGrpSpPr>
+      <p:grpSpPr>
+        <a:xfrm>
+          <a:off x="0" y="0"/>
+          <a:ext cx="0" cy="0"/>
+          <a:chOff x="0" y="0"/>
+          <a:chExt cx="0" cy="0"/>
+        </a:xfrm>
+      </p:grpSpPr>
+      <p:sp>
+        <p:nvSpPr>
+          <p:cNvPr id="2" name="Образ слайда 1"/>
+          <p:cNvSpPr>
+            <a:spLocks noGrp="1" noRot="1" noChangeAspect="1"/>
+          </p:cNvSpPr>
+          <p:nvPr>
+            <p:ph type="sldImg"/>
+          </p:nvPr>
+        </p:nvSpPr>
+        <p:spPr/>
+      </p:sp>
+      <p:sp>
+        <p:nvSpPr>
+          <p:cNvPr id="3" name="Заметки 2"/>
+          <p:cNvSpPr>
+            <a:spLocks noGrp="1"/>
+          </p:cNvSpPr>
+          <p:nvPr>
+            <p:ph type="body" idx="1"/>
+          </p:nvPr>
+        </p:nvSpPr>
+        <p:spPr/>
+        <p:txBody>
+          <a:bodyPr/>
+          <a:lstStyle/>
+          <a:p>
+            <a:r>
+              <a:rPr lang="ru-RU" dirty="0"/>
+              <a:t>На главной странице сайта пользователь может посмотреть, какие услуги предлагает автосервис, избранные отзывы, а также посмотреть расположение автомастерской на карте используя виджет </a:t>
+            </a:r>
+            <a:r>
+              <a:rPr lang="ru-RU" dirty="0" err="1"/>
+              <a:t>Яндекс.Карты</a:t>
+            </a:r>
+            <a:r>
+              <a:rPr lang="ru-RU" dirty="0"/>
+              <a:t>. С главной страницы пользователь может перейти на страницу отправки заявки.</a:t>
+            </a:r>
+          </a:p>
+        </p:txBody>
+      </p:sp>
+      <p:sp>
+        <p:nvSpPr>
+          <p:cNvPr id="4" name="Номер слайда 3"/>
+          <p:cNvSpPr>
+            <a:spLocks noGrp="1"/>
+          </p:cNvSpPr>
+          <p:nvPr>
+            <p:ph type="sldNum" sz="quarter" idx="5"/>
+          </p:nvPr>
+        </p:nvSpPr>
+        <p:spPr/>
+        <p:txBody>
+          <a:bodyPr/>
+          <a:lstStyle/>
+          <a:p>
+            <a:fld id="{80534C28-DFC1-4D08-9FDA-5AE4079130A4}" type="slidenum">
+              <a:rPr lang="ru-RU" smtClean="0"/>
+              <a:t>3</a:t>
+            </a:fld>
+            <a:endParaRPr lang="ru-RU"/>
+          </a:p>
+        </p:txBody>
+      </p:sp>
+    </p:spTree>
+    <p:extLst>
+      <p:ext uri="{BB962C8B-B14F-4D97-AF65-F5344CB8AC3E}">
+        <p14:creationId xmlns:p14="http://schemas.microsoft.com/office/powerpoint/2010/main" val="4215348491"/>
+      </p:ext>
+    </p:extLst>
+  </p:cSld>
+  <p:clrMapOvr>
+    <a:masterClrMapping/>
+  </p:clrMapOvr>
+</p:notes>
+</file>
+
+<file path=ppt/notesSlides/notesSlide3.xml><?xml version="1.0" encoding="utf-8"?>
+<p:notes xmlns:a="http://schemas.openxmlformats.org/drawingml/2006/main" xmlns:r="http://schemas.openxmlformats.org/officeDocument/2006/relationships" xmlns:p="http://schemas.openxmlformats.org/presentationml/2006/main">
+  <p:cSld>
+    <p:spTree>
+      <p:nvGrpSpPr>
+        <p:cNvPr id="1" name=""/>
+        <p:cNvGrpSpPr/>
+        <p:nvPr/>
+      </p:nvGrpSpPr>
+      <p:grpSpPr>
+        <a:xfrm>
+          <a:off x="0" y="0"/>
+          <a:ext cx="0" cy="0"/>
+          <a:chOff x="0" y="0"/>
+          <a:chExt cx="0" cy="0"/>
+        </a:xfrm>
+      </p:grpSpPr>
+      <p:sp>
+        <p:nvSpPr>
+          <p:cNvPr id="2" name="Образ слайда 1"/>
+          <p:cNvSpPr>
+            <a:spLocks noGrp="1" noRot="1" noChangeAspect="1"/>
+          </p:cNvSpPr>
+          <p:nvPr>
+            <p:ph type="sldImg"/>
+          </p:nvPr>
+        </p:nvSpPr>
+        <p:spPr/>
+      </p:sp>
+      <p:sp>
+        <p:nvSpPr>
+          <p:cNvPr id="3" name="Заметки 2"/>
+          <p:cNvSpPr>
+            <a:spLocks noGrp="1"/>
+          </p:cNvSpPr>
+          <p:nvPr>
+            <p:ph type="body" idx="1"/>
+          </p:nvPr>
+        </p:nvSpPr>
+        <p:spPr/>
+        <p:txBody>
+          <a:bodyPr/>
+          <a:lstStyle/>
+          <a:p>
+            <a:r>
+              <a:rPr lang="ru-RU" dirty="0"/>
+              <a:t>Автоматизация отправки заявки позволяет ускорить процесс обработки заявок</a:t>
+            </a:r>
+          </a:p>
+        </p:txBody>
+      </p:sp>
+      <p:sp>
+        <p:nvSpPr>
+          <p:cNvPr id="4" name="Номер слайда 3"/>
+          <p:cNvSpPr>
+            <a:spLocks noGrp="1"/>
+          </p:cNvSpPr>
+          <p:nvPr>
+            <p:ph type="sldNum" sz="quarter" idx="5"/>
+          </p:nvPr>
+        </p:nvSpPr>
+        <p:spPr/>
+        <p:txBody>
+          <a:bodyPr/>
+          <a:lstStyle/>
+          <a:p>
+            <a:fld id="{80534C28-DFC1-4D08-9FDA-5AE4079130A4}" type="slidenum">
+              <a:rPr lang="ru-RU" smtClean="0"/>
+              <a:t>4</a:t>
+            </a:fld>
+            <a:endParaRPr lang="ru-RU"/>
+          </a:p>
+        </p:txBody>
+      </p:sp>
+    </p:spTree>
+    <p:extLst>
+      <p:ext uri="{BB962C8B-B14F-4D97-AF65-F5344CB8AC3E}">
         <p14:creationId xmlns:p14="http://schemas.microsoft.com/office/powerpoint/2010/main" val="2634619531"/>
+      </p:ext>
+    </p:extLst>
+  </p:cSld>
+  <p:clrMapOvr>
+    <a:masterClrMapping/>
+  </p:clrMapOvr>
+</p:notes>
+</file>
+
+<file path=ppt/notesSlides/notesSlide4.xml><?xml version="1.0" encoding="utf-8"?>
+<p:notes xmlns:a="http://schemas.openxmlformats.org/drawingml/2006/main" xmlns:r="http://schemas.openxmlformats.org/officeDocument/2006/relationships" xmlns:p="http://schemas.openxmlformats.org/presentationml/2006/main">
+  <p:cSld>
+    <p:spTree>
+      <p:nvGrpSpPr>
+        <p:cNvPr id="1" name=""/>
+        <p:cNvGrpSpPr/>
+        <p:nvPr/>
+      </p:nvGrpSpPr>
+      <p:grpSpPr>
+        <a:xfrm>
+          <a:off x="0" y="0"/>
+          <a:ext cx="0" cy="0"/>
+          <a:chOff x="0" y="0"/>
+          <a:chExt cx="0" cy="0"/>
+        </a:xfrm>
+      </p:grpSpPr>
+      <p:sp>
+        <p:nvSpPr>
+          <p:cNvPr id="2" name="Образ слайда 1"/>
+          <p:cNvSpPr>
+            <a:spLocks noGrp="1" noRot="1" noChangeAspect="1"/>
+          </p:cNvSpPr>
+          <p:nvPr>
+            <p:ph type="sldImg"/>
+          </p:nvPr>
+        </p:nvSpPr>
+        <p:spPr/>
+      </p:sp>
+      <p:sp>
+        <p:nvSpPr>
+          <p:cNvPr id="3" name="Заметки 2"/>
+          <p:cNvSpPr>
+            <a:spLocks noGrp="1"/>
+          </p:cNvSpPr>
+          <p:nvPr>
+            <p:ph type="body" idx="1"/>
+          </p:nvPr>
+        </p:nvSpPr>
+        <p:spPr/>
+        <p:txBody>
+          <a:bodyPr/>
+          <a:lstStyle/>
+          <a:p>
+            <a:r>
+              <a:rPr lang="ru-RU" dirty="0"/>
+              <a:t>Из панели управления работник автосервиса может получить доступ ко множеству функций, многие из которых доступны только для администраторов.</a:t>
+            </a:r>
+          </a:p>
+          <a:p>
+            <a:r>
+              <a:rPr lang="ru-RU" dirty="0"/>
+              <a:t>К функциям администраторов относятся такие функции как просмотр категорий услуг, редактирование доступных услуг, пользователей, должностей.</a:t>
+            </a:r>
+          </a:p>
+          <a:p>
+            <a:r>
+              <a:rPr lang="ru-RU" dirty="0"/>
+              <a:t>Обычный работник имеет доступ только к просмотру списка заявок.</a:t>
+            </a:r>
+          </a:p>
+        </p:txBody>
+      </p:sp>
+      <p:sp>
+        <p:nvSpPr>
+          <p:cNvPr id="4" name="Номер слайда 3"/>
+          <p:cNvSpPr>
+            <a:spLocks noGrp="1"/>
+          </p:cNvSpPr>
+          <p:nvPr>
+            <p:ph type="sldNum" sz="quarter" idx="5"/>
+          </p:nvPr>
+        </p:nvSpPr>
+        <p:spPr/>
+        <p:txBody>
+          <a:bodyPr/>
+          <a:lstStyle/>
+          <a:p>
+            <a:fld id="{80534C28-DFC1-4D08-9FDA-5AE4079130A4}" type="slidenum">
+              <a:rPr lang="ru-RU" smtClean="0"/>
+              <a:t>5</a:t>
+            </a:fld>
+            <a:endParaRPr lang="ru-RU"/>
+          </a:p>
+        </p:txBody>
+      </p:sp>
+    </p:spTree>
+    <p:extLst>
+      <p:ext uri="{BB962C8B-B14F-4D97-AF65-F5344CB8AC3E}">
+        <p14:creationId xmlns:p14="http://schemas.microsoft.com/office/powerpoint/2010/main" val="1524211875"/>
+      </p:ext>
+    </p:extLst>
+  </p:cSld>
+  <p:clrMapOvr>
+    <a:masterClrMapping/>
+  </p:clrMapOvr>
+</p:notes>
+</file>
+
+<file path=ppt/notesSlides/notesSlide5.xml><?xml version="1.0" encoding="utf-8"?>
+<p:notes xmlns:a="http://schemas.openxmlformats.org/drawingml/2006/main" xmlns:r="http://schemas.openxmlformats.org/officeDocument/2006/relationships" xmlns:p="http://schemas.openxmlformats.org/presentationml/2006/main">
+  <p:cSld>
+    <p:spTree>
+      <p:nvGrpSpPr>
+        <p:cNvPr id="1" name=""/>
+        <p:cNvGrpSpPr/>
+        <p:nvPr/>
+      </p:nvGrpSpPr>
+      <p:grpSpPr>
+        <a:xfrm>
+          <a:off x="0" y="0"/>
+          <a:ext cx="0" cy="0"/>
+          <a:chOff x="0" y="0"/>
+          <a:chExt cx="0" cy="0"/>
+        </a:xfrm>
+      </p:grpSpPr>
+      <p:sp>
+        <p:nvSpPr>
+          <p:cNvPr id="2" name="Образ слайда 1"/>
+          <p:cNvSpPr>
+            <a:spLocks noGrp="1" noRot="1" noChangeAspect="1"/>
+          </p:cNvSpPr>
+          <p:nvPr>
+            <p:ph type="sldImg"/>
+          </p:nvPr>
+        </p:nvSpPr>
+        <p:spPr/>
+      </p:sp>
+      <p:sp>
+        <p:nvSpPr>
+          <p:cNvPr id="3" name="Заметки 2"/>
+          <p:cNvSpPr>
+            <a:spLocks noGrp="1"/>
+          </p:cNvSpPr>
+          <p:nvPr>
+            <p:ph type="body" idx="1"/>
+          </p:nvPr>
+        </p:nvSpPr>
+        <p:spPr/>
+        <p:txBody>
+          <a:bodyPr/>
+          <a:lstStyle/>
+          <a:p>
+            <a:r>
+              <a:rPr lang="ru-RU" dirty="0"/>
+              <a:t>На странице списка заявок можно очевидно увидеть список всех оставленных заявок, их статус и контактные данные, оставленные пользователем.</a:t>
+            </a:r>
+          </a:p>
+          <a:p>
+            <a:r>
+              <a:rPr lang="ru-RU" dirty="0"/>
+              <a:t>По умолчанию новые заявки получают статус «Ожидает проверки», и только после проверки и назначения рабочего на заявку можно приступать к выполнению работы. После выполнения указывается соответствующий статус заявки «Выполнено».</a:t>
+            </a:r>
+          </a:p>
+        </p:txBody>
+      </p:sp>
+      <p:sp>
+        <p:nvSpPr>
+          <p:cNvPr id="4" name="Номер слайда 3"/>
+          <p:cNvSpPr>
+            <a:spLocks noGrp="1"/>
+          </p:cNvSpPr>
+          <p:nvPr>
+            <p:ph type="sldNum" sz="quarter" idx="5"/>
+          </p:nvPr>
+        </p:nvSpPr>
+        <p:spPr/>
+        <p:txBody>
+          <a:bodyPr/>
+          <a:lstStyle/>
+          <a:p>
+            <a:fld id="{80534C28-DFC1-4D08-9FDA-5AE4079130A4}" type="slidenum">
+              <a:rPr lang="ru-RU" smtClean="0"/>
+              <a:t>6</a:t>
+            </a:fld>
+            <a:endParaRPr lang="ru-RU"/>
+          </a:p>
+        </p:txBody>
+      </p:sp>
+    </p:spTree>
+    <p:extLst>
+      <p:ext uri="{BB962C8B-B14F-4D97-AF65-F5344CB8AC3E}">
+        <p14:creationId xmlns:p14="http://schemas.microsoft.com/office/powerpoint/2010/main" val="1151824918"/>
+      </p:ext>
+    </p:extLst>
+  </p:cSld>
+  <p:clrMapOvr>
+    <a:masterClrMapping/>
+  </p:clrMapOvr>
+</p:notes>
+</file>
+
+<file path=ppt/notesSlides/notesSlide6.xml><?xml version="1.0" encoding="utf-8"?>
+<p:notes xmlns:a="http://schemas.openxmlformats.org/drawingml/2006/main" xmlns:r="http://schemas.openxmlformats.org/officeDocument/2006/relationships" xmlns:p="http://schemas.openxmlformats.org/presentationml/2006/main">
+  <p:cSld>
+    <p:spTree>
+      <p:nvGrpSpPr>
+        <p:cNvPr id="1" name=""/>
+        <p:cNvGrpSpPr/>
+        <p:nvPr/>
+      </p:nvGrpSpPr>
+      <p:grpSpPr>
+        <a:xfrm>
+          <a:off x="0" y="0"/>
+          <a:ext cx="0" cy="0"/>
+          <a:chOff x="0" y="0"/>
+          <a:chExt cx="0" cy="0"/>
+        </a:xfrm>
+      </p:grpSpPr>
+      <p:sp>
+        <p:nvSpPr>
+          <p:cNvPr id="2" name="Образ слайда 1"/>
+          <p:cNvSpPr>
+            <a:spLocks noGrp="1" noRot="1" noChangeAspect="1"/>
+          </p:cNvSpPr>
+          <p:nvPr>
+            <p:ph type="sldImg"/>
+          </p:nvPr>
+        </p:nvSpPr>
+        <p:spPr/>
+      </p:sp>
+      <p:sp>
+        <p:nvSpPr>
+          <p:cNvPr id="3" name="Заметки 2"/>
+          <p:cNvSpPr>
+            <a:spLocks noGrp="1"/>
+          </p:cNvSpPr>
+          <p:nvPr>
+            <p:ph type="body" idx="1"/>
+          </p:nvPr>
+        </p:nvSpPr>
+        <p:spPr/>
+        <p:txBody>
+          <a:bodyPr/>
+          <a:lstStyle/>
+          <a:p>
+            <a:r>
+              <a:rPr lang="ru-RU" dirty="0"/>
+              <a:t>Для разработки использовалась среда разработки </a:t>
+            </a:r>
+            <a:r>
+              <a:rPr lang="en-US" dirty="0"/>
+              <a:t>Visual Studio Code</a:t>
+            </a:r>
+            <a:r>
+              <a:rPr lang="ru-RU" dirty="0"/>
+              <a:t>, язык программирования </a:t>
+            </a:r>
+            <a:r>
+              <a:rPr lang="en-US" dirty="0"/>
+              <a:t>PHP</a:t>
+            </a:r>
+            <a:r>
+              <a:rPr lang="ru-RU" dirty="0"/>
+              <a:t>. Для отладки использовалась панель управления </a:t>
+            </a:r>
+            <a:r>
+              <a:rPr lang="en-US" dirty="0"/>
+              <a:t>Open Server.</a:t>
+            </a:r>
+            <a:endParaRPr lang="ru-RU" dirty="0"/>
+          </a:p>
+          <a:p>
+            <a:r>
+              <a:rPr lang="ru-RU" dirty="0"/>
+              <a:t>Дополнительными инструментами разработки выступают язык разметки </a:t>
+            </a:r>
+            <a:r>
+              <a:rPr lang="en-US" dirty="0"/>
+              <a:t>HTML, </a:t>
+            </a:r>
+            <a:r>
+              <a:rPr lang="ru-RU" dirty="0"/>
+              <a:t>язык стилей </a:t>
+            </a:r>
+            <a:r>
+              <a:rPr lang="en-US" dirty="0"/>
+              <a:t>CSS</a:t>
+            </a:r>
+            <a:r>
+              <a:rPr lang="ru-RU" dirty="0"/>
+              <a:t>, язык программирования </a:t>
+            </a:r>
+            <a:r>
+              <a:rPr lang="en-US" dirty="0"/>
+              <a:t>JavaScript</a:t>
+            </a:r>
+            <a:r>
+              <a:rPr lang="ru-RU" dirty="0"/>
+              <a:t>, а также язык запросов </a:t>
+            </a:r>
+            <a:r>
+              <a:rPr lang="en-US" dirty="0"/>
+              <a:t>SQL</a:t>
+            </a:r>
+            <a:r>
+              <a:rPr lang="ru-RU" dirty="0"/>
+              <a:t>.</a:t>
+            </a:r>
+          </a:p>
+        </p:txBody>
+      </p:sp>
+      <p:sp>
+        <p:nvSpPr>
+          <p:cNvPr id="4" name="Номер слайда 3"/>
+          <p:cNvSpPr>
+            <a:spLocks noGrp="1"/>
+          </p:cNvSpPr>
+          <p:nvPr>
+            <p:ph type="sldNum" sz="quarter" idx="5"/>
+          </p:nvPr>
+        </p:nvSpPr>
+        <p:spPr/>
+        <p:txBody>
+          <a:bodyPr/>
+          <a:lstStyle/>
+          <a:p>
+            <a:fld id="{80534C28-DFC1-4D08-9FDA-5AE4079130A4}" type="slidenum">
+              <a:rPr lang="ru-RU" smtClean="0"/>
+              <a:t>7</a:t>
+            </a:fld>
+            <a:endParaRPr lang="ru-RU"/>
+          </a:p>
+        </p:txBody>
+      </p:sp>
+    </p:spTree>
+    <p:extLst>
+      <p:ext uri="{BB962C8B-B14F-4D97-AF65-F5344CB8AC3E}">
+        <p14:creationId xmlns:p14="http://schemas.microsoft.com/office/powerpoint/2010/main" val="2290676755"/>
       </p:ext>
     </p:extLst>
   </p:cSld>
@@ -691,7 +1245,7 @@
           <a:p>
             <a:fld id="{AC4C89C0-494F-47A5-9121-36ADA30C7995}" type="datetimeFigureOut">
               <a:rPr lang="ru-RU" smtClean="0"/>
-              <a:t>12.02.2024</a:t>
+              <a:t>14.02.2024</a:t>
             </a:fld>
             <a:endParaRPr lang="ru-RU"/>
           </a:p>
@@ -889,7 +1443,7 @@
           <a:p>
             <a:fld id="{AC4C89C0-494F-47A5-9121-36ADA30C7995}" type="datetimeFigureOut">
               <a:rPr lang="ru-RU" smtClean="0"/>
-              <a:t>12.02.2024</a:t>
+              <a:t>14.02.2024</a:t>
             </a:fld>
             <a:endParaRPr lang="ru-RU"/>
           </a:p>
@@ -1097,7 +1651,7 @@
           <a:p>
             <a:fld id="{AC4C89C0-494F-47A5-9121-36ADA30C7995}" type="datetimeFigureOut">
               <a:rPr lang="ru-RU" smtClean="0"/>
-              <a:t>12.02.2024</a:t>
+              <a:t>14.02.2024</a:t>
             </a:fld>
             <a:endParaRPr lang="ru-RU"/>
           </a:p>
@@ -1295,7 +1849,7 @@
           <a:p>
             <a:fld id="{AC4C89C0-494F-47A5-9121-36ADA30C7995}" type="datetimeFigureOut">
               <a:rPr lang="ru-RU" smtClean="0"/>
-              <a:t>12.02.2024</a:t>
+              <a:t>14.02.2024</a:t>
             </a:fld>
             <a:endParaRPr lang="ru-RU"/>
           </a:p>
@@ -1570,7 +2124,7 @@
           <a:p>
             <a:fld id="{AC4C89C0-494F-47A5-9121-36ADA30C7995}" type="datetimeFigureOut">
               <a:rPr lang="ru-RU" smtClean="0"/>
-              <a:t>12.02.2024</a:t>
+              <a:t>14.02.2024</a:t>
             </a:fld>
             <a:endParaRPr lang="ru-RU"/>
           </a:p>
@@ -1835,7 +2389,7 @@
           <a:p>
             <a:fld id="{AC4C89C0-494F-47A5-9121-36ADA30C7995}" type="datetimeFigureOut">
               <a:rPr lang="ru-RU" smtClean="0"/>
-              <a:t>12.02.2024</a:t>
+              <a:t>14.02.2024</a:t>
             </a:fld>
             <a:endParaRPr lang="ru-RU"/>
           </a:p>
@@ -2247,7 +2801,7 @@
           <a:p>
             <a:fld id="{AC4C89C0-494F-47A5-9121-36ADA30C7995}" type="datetimeFigureOut">
               <a:rPr lang="ru-RU" smtClean="0"/>
-              <a:t>12.02.2024</a:t>
+              <a:t>14.02.2024</a:t>
             </a:fld>
             <a:endParaRPr lang="ru-RU"/>
           </a:p>
@@ -2388,7 +2942,7 @@
           <a:p>
             <a:fld id="{AC4C89C0-494F-47A5-9121-36ADA30C7995}" type="datetimeFigureOut">
               <a:rPr lang="ru-RU" smtClean="0"/>
-              <a:t>12.02.2024</a:t>
+              <a:t>14.02.2024</a:t>
             </a:fld>
             <a:endParaRPr lang="ru-RU"/>
           </a:p>
@@ -2501,7 +3055,7 @@
           <a:p>
             <a:fld id="{AC4C89C0-494F-47A5-9121-36ADA30C7995}" type="datetimeFigureOut">
               <a:rPr lang="ru-RU" smtClean="0"/>
-              <a:t>12.02.2024</a:t>
+              <a:t>14.02.2024</a:t>
             </a:fld>
             <a:endParaRPr lang="ru-RU"/>
           </a:p>
@@ -2812,7 +3366,7 @@
           <a:p>
             <a:fld id="{AC4C89C0-494F-47A5-9121-36ADA30C7995}" type="datetimeFigureOut">
               <a:rPr lang="ru-RU" smtClean="0"/>
-              <a:t>12.02.2024</a:t>
+              <a:t>14.02.2024</a:t>
             </a:fld>
             <a:endParaRPr lang="ru-RU"/>
           </a:p>
@@ -3100,7 +3654,7 @@
           <a:p>
             <a:fld id="{AC4C89C0-494F-47A5-9121-36ADA30C7995}" type="datetimeFigureOut">
               <a:rPr lang="ru-RU" smtClean="0"/>
-              <a:t>12.02.2024</a:t>
+              <a:t>14.02.2024</a:t>
             </a:fld>
             <a:endParaRPr lang="ru-RU"/>
           </a:p>
@@ -3341,7 +3895,7 @@
           <a:p>
             <a:fld id="{AC4C89C0-494F-47A5-9121-36ADA30C7995}" type="datetimeFigureOut">
               <a:rPr lang="ru-RU" smtClean="0"/>
-              <a:t>12.02.2024</a:t>
+              <a:t>14.02.2024</a:t>
             </a:fld>
             <a:endParaRPr lang="ru-RU"/>
           </a:p>
@@ -3744,6 +4298,14 @@
 <file path=ppt/slides/slide1.xml><?xml version="1.0" encoding="utf-8"?>
 <p:sld xmlns:a="http://schemas.openxmlformats.org/drawingml/2006/main" xmlns:r="http://schemas.openxmlformats.org/officeDocument/2006/relationships" xmlns:p="http://schemas.openxmlformats.org/presentationml/2006/main">
   <p:cSld>
+    <p:bg>
+      <p:bgPr>
+        <a:solidFill>
+          <a:srgbClr val="F7FBF4"/>
+        </a:solidFill>
+        <a:effectLst/>
+      </p:bgPr>
+    </p:bg>
     <p:spTree>
       <p:nvGrpSpPr>
         <p:cNvPr id="1" name=""/>
@@ -3970,6 +4532,14 @@
 <file path=ppt/slides/slide2.xml><?xml version="1.0" encoding="utf-8"?>
 <p:sld xmlns:a="http://schemas.openxmlformats.org/drawingml/2006/main" xmlns:r="http://schemas.openxmlformats.org/officeDocument/2006/relationships" xmlns:p="http://schemas.openxmlformats.org/presentationml/2006/main">
   <p:cSld>
+    <p:bg>
+      <p:bgPr>
+        <a:solidFill>
+          <a:srgbClr val="F7FBF4"/>
+        </a:solidFill>
+        <a:effectLst/>
+      </p:bgPr>
+    </p:bg>
     <p:spTree>
       <p:nvGrpSpPr>
         <p:cNvPr id="1" name=""/>
@@ -3986,9 +4556,208 @@
       </p:grpSpPr>
       <p:sp>
         <p:nvSpPr>
+          <p:cNvPr id="3" name="Заголовок 2">
+            <a:extLst>
+              <a:ext uri="{FF2B5EF4-FFF2-40B4-BE49-F238E27FC236}">
+                <a16:creationId xmlns:a16="http://schemas.microsoft.com/office/drawing/2014/main" id="{09614EB9-9E86-4977-A189-1CFDD44DD7AC}"/>
+              </a:ext>
+            </a:extLst>
+          </p:cNvPr>
+          <p:cNvSpPr>
+            <a:spLocks noGrp="1"/>
+          </p:cNvSpPr>
+          <p:nvPr>
+            <p:ph type="title"/>
+          </p:nvPr>
+        </p:nvSpPr>
+        <p:spPr>
+          <a:xfrm>
+            <a:off x="838200" y="2766219"/>
+            <a:ext cx="10515600" cy="1325563"/>
+          </a:xfrm>
+        </p:spPr>
+        <p:txBody>
+          <a:bodyPr/>
+          <a:lstStyle/>
+          <a:p>
+            <a:pPr algn="ctr"/>
+            <a:r>
+              <a:rPr lang="ru-RU" dirty="0"/>
+              <a:t>Цель проекта</a:t>
+            </a:r>
+          </a:p>
+        </p:txBody>
+      </p:sp>
+    </p:spTree>
+    <p:extLst>
+      <p:ext uri="{BB962C8B-B14F-4D97-AF65-F5344CB8AC3E}">
+        <p14:creationId xmlns:p14="http://schemas.microsoft.com/office/powerpoint/2010/main" val="1756366977"/>
+      </p:ext>
+    </p:extLst>
+  </p:cSld>
+  <p:clrMapOvr>
+    <a:masterClrMapping/>
+  </p:clrMapOvr>
+</p:sld>
+</file>
+
+<file path=ppt/slides/slide3.xml><?xml version="1.0" encoding="utf-8"?>
+<p:sld xmlns:a="http://schemas.openxmlformats.org/drawingml/2006/main" xmlns:r="http://schemas.openxmlformats.org/officeDocument/2006/relationships" xmlns:p="http://schemas.openxmlformats.org/presentationml/2006/main">
+  <p:cSld>
+    <p:bg>
+      <p:bgPr>
+        <a:solidFill>
+          <a:srgbClr val="F7FBF4"/>
+        </a:solidFill>
+        <a:effectLst/>
+      </p:bgPr>
+    </p:bg>
+    <p:spTree>
+      <p:nvGrpSpPr>
+        <p:cNvPr id="1" name=""/>
+        <p:cNvGrpSpPr/>
+        <p:nvPr/>
+      </p:nvGrpSpPr>
+      <p:grpSpPr>
+        <a:xfrm>
+          <a:off x="0" y="0"/>
+          <a:ext cx="0" cy="0"/>
+          <a:chOff x="0" y="0"/>
+          <a:chExt cx="0" cy="0"/>
+        </a:xfrm>
+      </p:grpSpPr>
+      <p:sp>
+        <p:nvSpPr>
           <p:cNvPr id="2" name="Заголовок 1">
             <a:extLst>
               <a:ext uri="{FF2B5EF4-FFF2-40B4-BE49-F238E27FC236}">
+                <a16:creationId xmlns:a16="http://schemas.microsoft.com/office/drawing/2014/main" id="{E248DD71-F8B1-4928-B017-4160FA5AD4A3}"/>
+              </a:ext>
+            </a:extLst>
+          </p:cNvPr>
+          <p:cNvSpPr>
+            <a:spLocks noGrp="1"/>
+          </p:cNvSpPr>
+          <p:nvPr>
+            <p:ph type="title"/>
+          </p:nvPr>
+        </p:nvSpPr>
+        <p:spPr/>
+        <p:txBody>
+          <a:bodyPr/>
+          <a:lstStyle/>
+          <a:p>
+            <a:pPr algn="ctr"/>
+            <a:r>
+              <a:rPr lang="ru-RU" dirty="0"/>
+              <a:t>Главная страница</a:t>
+            </a:r>
+          </a:p>
+        </p:txBody>
+      </p:sp>
+      <p:sp>
+        <p:nvSpPr>
+          <p:cNvPr id="4" name="Текст 3">
+            <a:extLst>
+              <a:ext uri="{FF2B5EF4-FFF2-40B4-BE49-F238E27FC236}">
+                <a16:creationId xmlns:a16="http://schemas.microsoft.com/office/drawing/2014/main" id="{BC6CBD44-0D41-4F30-9A6D-D53D882C08E7}"/>
+              </a:ext>
+            </a:extLst>
+          </p:cNvPr>
+          <p:cNvSpPr>
+            <a:spLocks noGrp="1"/>
+          </p:cNvSpPr>
+          <p:nvPr>
+            <p:ph type="body" sz="half" idx="2"/>
+          </p:nvPr>
+        </p:nvSpPr>
+        <p:spPr/>
+        <p:txBody>
+          <a:bodyPr/>
+          <a:lstStyle/>
+          <a:p>
+            <a:endParaRPr lang="ru-RU" dirty="0"/>
+          </a:p>
+        </p:txBody>
+      </p:sp>
+      <p:pic>
+        <p:nvPicPr>
+          <p:cNvPr id="5" name="Рисунок 4">
+            <a:extLst>
+              <a:ext uri="{FF2B5EF4-FFF2-40B4-BE49-F238E27FC236}">
+                <a16:creationId xmlns:a16="http://schemas.microsoft.com/office/drawing/2014/main" id="{7967C47F-65E5-4DCF-8F54-295F94CC5877}"/>
+              </a:ext>
+            </a:extLst>
+          </p:cNvPr>
+          <p:cNvPicPr/>
+          <p:nvPr/>
+        </p:nvPicPr>
+        <p:blipFill>
+          <a:blip r:embed="rId3"/>
+          <a:stretch>
+            <a:fillRect/>
+          </a:stretch>
+        </p:blipFill>
+        <p:spPr>
+          <a:xfrm>
+            <a:off x="6169980" y="-4911"/>
+            <a:ext cx="4566083" cy="6862911"/>
+          </a:xfrm>
+          <a:prstGeom prst="rect">
+            <a:avLst/>
+          </a:prstGeom>
+          <a:effectLst>
+            <a:outerShdw blurRad="63500" sx="102000" sy="102000" algn="ctr" rotWithShape="0">
+              <a:prstClr val="black">
+                <a:alpha val="40000"/>
+              </a:prstClr>
+            </a:outerShdw>
+          </a:effectLst>
+        </p:spPr>
+      </p:pic>
+    </p:spTree>
+    <p:extLst>
+      <p:ext uri="{BB962C8B-B14F-4D97-AF65-F5344CB8AC3E}">
+        <p14:creationId xmlns:p14="http://schemas.microsoft.com/office/powerpoint/2010/main" val="2811690441"/>
+      </p:ext>
+    </p:extLst>
+  </p:cSld>
+  <p:clrMapOvr>
+    <a:masterClrMapping/>
+  </p:clrMapOvr>
+</p:sld>
+</file>
+
+<file path=ppt/slides/slide4.xml><?xml version="1.0" encoding="utf-8"?>
+<p:sld xmlns:a="http://schemas.openxmlformats.org/drawingml/2006/main" xmlns:r="http://schemas.openxmlformats.org/officeDocument/2006/relationships" xmlns:p="http://schemas.openxmlformats.org/presentationml/2006/main">
+  <p:cSld>
+    <p:bg>
+      <p:bgPr>
+        <a:solidFill>
+          <a:srgbClr val="F7FBF4"/>
+        </a:solidFill>
+        <a:effectLst/>
+      </p:bgPr>
+    </p:bg>
+    <p:spTree>
+      <p:nvGrpSpPr>
+        <p:cNvPr id="1" name=""/>
+        <p:cNvGrpSpPr/>
+        <p:nvPr/>
+      </p:nvGrpSpPr>
+      <p:grpSpPr>
+        <a:xfrm>
+          <a:off x="0" y="0"/>
+          <a:ext cx="0" cy="0"/>
+          <a:chOff x="0" y="0"/>
+          <a:chExt cx="0" cy="0"/>
+        </a:xfrm>
+      </p:grpSpPr>
+      <p:sp>
+        <p:nvSpPr>
+          <p:cNvPr id="2" name="Заголовок 1">
+            <a:extLst>
+              <a:ext uri="{FF2B5EF4-FFF2-40B4-BE49-F238E27FC236}">
                 <a16:creationId xmlns:a16="http://schemas.microsoft.com/office/drawing/2014/main" id="{DAB36B7F-8238-42BB-9991-F14B9DA04006}"/>
               </a:ext>
             </a:extLst>
@@ -4005,32 +4774,11 @@
           <a:bodyPr/>
           <a:lstStyle/>
           <a:p>
-            <a:endParaRPr lang="ru-RU" dirty="0"/>
-          </a:p>
-        </p:txBody>
-      </p:sp>
-      <p:sp>
-        <p:nvSpPr>
-          <p:cNvPr id="4" name="Текст 3">
-            <a:extLst>
-              <a:ext uri="{FF2B5EF4-FFF2-40B4-BE49-F238E27FC236}">
-                <a16:creationId xmlns:a16="http://schemas.microsoft.com/office/drawing/2014/main" id="{20A5D7B3-E4EE-482C-A05E-27D5EE7E2BD1}"/>
-              </a:ext>
-            </a:extLst>
-          </p:cNvPr>
-          <p:cNvSpPr>
-            <a:spLocks noGrp="1"/>
-          </p:cNvSpPr>
-          <p:nvPr>
-            <p:ph type="body" sz="half" idx="2"/>
-          </p:nvPr>
-        </p:nvSpPr>
-        <p:spPr/>
-        <p:txBody>
-          <a:bodyPr/>
-          <a:lstStyle/>
-          <a:p>
-            <a:endParaRPr lang="ru-RU" dirty="0"/>
+            <a:pPr algn="ctr"/>
+            <a:r>
+              <a:rPr lang="ru-RU" dirty="0"/>
+              <a:t>Автоматизация отправки заявки</a:t>
+            </a:r>
           </a:p>
         </p:txBody>
       </p:sp>
@@ -4056,18 +4804,595 @@
         </p:blipFill>
         <p:spPr>
           <a:xfrm>
-            <a:off x="5342060" y="1699333"/>
-            <a:ext cx="5854456" cy="3449808"/>
+            <a:off x="2291640" y="1825625"/>
+            <a:ext cx="7608719" cy="4483528"/>
           </a:xfrm>
           <a:prstGeom prst="rect">
             <a:avLst/>
           </a:prstGeom>
+          <a:effectLst>
+            <a:outerShdw blurRad="63500" sx="102000" sy="102000" algn="ctr" rotWithShape="0">
+              <a:prstClr val="black">
+                <a:alpha val="40000"/>
+              </a:prstClr>
+            </a:outerShdw>
+          </a:effectLst>
         </p:spPr>
       </p:pic>
     </p:spTree>
     <p:extLst>
       <p:ext uri="{BB962C8B-B14F-4D97-AF65-F5344CB8AC3E}">
         <p14:creationId xmlns:p14="http://schemas.microsoft.com/office/powerpoint/2010/main" val="1050070818"/>
+      </p:ext>
+    </p:extLst>
+  </p:cSld>
+  <p:clrMapOvr>
+    <a:masterClrMapping/>
+  </p:clrMapOvr>
+</p:sld>
+</file>
+
+<file path=ppt/slides/slide5.xml><?xml version="1.0" encoding="utf-8"?>
+<p:sld xmlns:a="http://schemas.openxmlformats.org/drawingml/2006/main" xmlns:r="http://schemas.openxmlformats.org/officeDocument/2006/relationships" xmlns:p="http://schemas.openxmlformats.org/presentationml/2006/main">
+  <p:cSld>
+    <p:bg>
+      <p:bgPr>
+        <a:solidFill>
+          <a:srgbClr val="F7FBF4"/>
+        </a:solidFill>
+        <a:effectLst/>
+      </p:bgPr>
+    </p:bg>
+    <p:spTree>
+      <p:nvGrpSpPr>
+        <p:cNvPr id="1" name=""/>
+        <p:cNvGrpSpPr/>
+        <p:nvPr/>
+      </p:nvGrpSpPr>
+      <p:grpSpPr>
+        <a:xfrm>
+          <a:off x="0" y="0"/>
+          <a:ext cx="0" cy="0"/>
+          <a:chOff x="0" y="0"/>
+          <a:chExt cx="0" cy="0"/>
+        </a:xfrm>
+      </p:grpSpPr>
+      <p:sp>
+        <p:nvSpPr>
+          <p:cNvPr id="2" name="Заголовок 1">
+            <a:extLst>
+              <a:ext uri="{FF2B5EF4-FFF2-40B4-BE49-F238E27FC236}">
+                <a16:creationId xmlns:a16="http://schemas.microsoft.com/office/drawing/2014/main" id="{FF550B9C-F469-4C27-ADF8-86EEF663AAA0}"/>
+              </a:ext>
+            </a:extLst>
+          </p:cNvPr>
+          <p:cNvSpPr>
+            <a:spLocks noGrp="1"/>
+          </p:cNvSpPr>
+          <p:nvPr>
+            <p:ph type="title"/>
+          </p:nvPr>
+        </p:nvSpPr>
+        <p:spPr/>
+        <p:txBody>
+          <a:bodyPr/>
+          <a:lstStyle/>
+          <a:p>
+            <a:r>
+              <a:rPr lang="ru-RU" dirty="0"/>
+              <a:t>Панель управления</a:t>
+            </a:r>
+          </a:p>
+        </p:txBody>
+      </p:sp>
+      <p:pic>
+        <p:nvPicPr>
+          <p:cNvPr id="4" name="Объект 3">
+            <a:extLst>
+              <a:ext uri="{FF2B5EF4-FFF2-40B4-BE49-F238E27FC236}">
+                <a16:creationId xmlns:a16="http://schemas.microsoft.com/office/drawing/2014/main" id="{33F5E4AE-6146-41CD-90CC-5CECA5718895}"/>
+              </a:ext>
+            </a:extLst>
+          </p:cNvPr>
+          <p:cNvPicPr>
+            <a:picLocks noGrp="1"/>
+          </p:cNvPicPr>
+          <p:nvPr>
+            <p:ph idx="1"/>
+          </p:nvPr>
+        </p:nvPicPr>
+        <p:blipFill>
+          <a:blip r:embed="rId3"/>
+          <a:stretch>
+            <a:fillRect/>
+          </a:stretch>
+        </p:blipFill>
+        <p:spPr>
+          <a:xfrm>
+            <a:off x="1013188" y="1825625"/>
+            <a:ext cx="10165624" cy="4351338"/>
+          </a:xfrm>
+          <a:prstGeom prst="rect">
+            <a:avLst/>
+          </a:prstGeom>
+          <a:effectLst>
+            <a:outerShdw blurRad="63500" sx="102000" sy="102000" algn="ctr" rotWithShape="0">
+              <a:prstClr val="black">
+                <a:alpha val="40000"/>
+              </a:prstClr>
+            </a:outerShdw>
+          </a:effectLst>
+        </p:spPr>
+      </p:pic>
+    </p:spTree>
+    <p:extLst>
+      <p:ext uri="{BB962C8B-B14F-4D97-AF65-F5344CB8AC3E}">
+        <p14:creationId xmlns:p14="http://schemas.microsoft.com/office/powerpoint/2010/main" val="2121100345"/>
+      </p:ext>
+    </p:extLst>
+  </p:cSld>
+  <p:clrMapOvr>
+    <a:masterClrMapping/>
+  </p:clrMapOvr>
+</p:sld>
+</file>
+
+<file path=ppt/slides/slide6.xml><?xml version="1.0" encoding="utf-8"?>
+<p:sld xmlns:a="http://schemas.openxmlformats.org/drawingml/2006/main" xmlns:r="http://schemas.openxmlformats.org/officeDocument/2006/relationships" xmlns:p="http://schemas.openxmlformats.org/presentationml/2006/main">
+  <p:cSld>
+    <p:bg>
+      <p:bgPr>
+        <a:solidFill>
+          <a:srgbClr val="F7FBF4"/>
+        </a:solidFill>
+        <a:effectLst/>
+      </p:bgPr>
+    </p:bg>
+    <p:spTree>
+      <p:nvGrpSpPr>
+        <p:cNvPr id="1" name=""/>
+        <p:cNvGrpSpPr/>
+        <p:nvPr/>
+      </p:nvGrpSpPr>
+      <p:grpSpPr>
+        <a:xfrm>
+          <a:off x="0" y="0"/>
+          <a:ext cx="0" cy="0"/>
+          <a:chOff x="0" y="0"/>
+          <a:chExt cx="0" cy="0"/>
+        </a:xfrm>
+      </p:grpSpPr>
+      <p:sp>
+        <p:nvSpPr>
+          <p:cNvPr id="2" name="Заголовок 1">
+            <a:extLst>
+              <a:ext uri="{FF2B5EF4-FFF2-40B4-BE49-F238E27FC236}">
+                <a16:creationId xmlns:a16="http://schemas.microsoft.com/office/drawing/2014/main" id="{6C01429B-0572-4B95-B740-408AD8FB6A22}"/>
+              </a:ext>
+            </a:extLst>
+          </p:cNvPr>
+          <p:cNvSpPr>
+            <a:spLocks noGrp="1"/>
+          </p:cNvSpPr>
+          <p:nvPr>
+            <p:ph type="title"/>
+          </p:nvPr>
+        </p:nvSpPr>
+        <p:spPr/>
+        <p:txBody>
+          <a:bodyPr/>
+          <a:lstStyle/>
+          <a:p>
+            <a:r>
+              <a:rPr lang="ru-RU" dirty="0"/>
+              <a:t>Список заявок</a:t>
+            </a:r>
+          </a:p>
+        </p:txBody>
+      </p:sp>
+      <p:pic>
+        <p:nvPicPr>
+          <p:cNvPr id="4" name="Объект 3">
+            <a:extLst>
+              <a:ext uri="{FF2B5EF4-FFF2-40B4-BE49-F238E27FC236}">
+                <a16:creationId xmlns:a16="http://schemas.microsoft.com/office/drawing/2014/main" id="{CD5D5650-2FCD-4069-A741-2DCBA6DABB42}"/>
+              </a:ext>
+            </a:extLst>
+          </p:cNvPr>
+          <p:cNvPicPr>
+            <a:picLocks noGrp="1"/>
+          </p:cNvPicPr>
+          <p:nvPr>
+            <p:ph idx="1"/>
+          </p:nvPr>
+        </p:nvPicPr>
+        <p:blipFill>
+          <a:blip r:embed="rId3"/>
+          <a:stretch>
+            <a:fillRect/>
+          </a:stretch>
+        </p:blipFill>
+        <p:spPr>
+          <a:xfrm>
+            <a:off x="1923778" y="1825625"/>
+            <a:ext cx="8344443" cy="4351338"/>
+          </a:xfrm>
+          <a:prstGeom prst="rect">
+            <a:avLst/>
+          </a:prstGeom>
+          <a:effectLst>
+            <a:outerShdw blurRad="63500" sx="102000" sy="102000" algn="ctr" rotWithShape="0">
+              <a:prstClr val="black">
+                <a:alpha val="40000"/>
+              </a:prstClr>
+            </a:outerShdw>
+          </a:effectLst>
+        </p:spPr>
+      </p:pic>
+      <p:sp>
+        <p:nvSpPr>
+          <p:cNvPr id="5" name="Управляющая кнопка: справка 4">
+            <a:hlinkClick r:id="rId4" action="ppaction://hlinksldjump" highlightClick="1"/>
+            <a:extLst>
+              <a:ext uri="{FF2B5EF4-FFF2-40B4-BE49-F238E27FC236}">
+                <a16:creationId xmlns:a16="http://schemas.microsoft.com/office/drawing/2014/main" id="{DCF2938B-EBEF-4BC1-9485-66AC636A0401}"/>
+              </a:ext>
+            </a:extLst>
+          </p:cNvPr>
+          <p:cNvSpPr/>
+          <p:nvPr/>
+        </p:nvSpPr>
+        <p:spPr>
+          <a:xfrm>
+            <a:off x="11472000" y="6138000"/>
+            <a:ext cx="720000" cy="720000"/>
+          </a:xfrm>
+          <a:prstGeom prst="actionButtonHelp">
+            <a:avLst/>
+          </a:prstGeom>
+        </p:spPr>
+        <p:style>
+          <a:lnRef idx="2">
+            <a:schemeClr val="accent1">
+              <a:shade val="50000"/>
+            </a:schemeClr>
+          </a:lnRef>
+          <a:fillRef idx="1">
+            <a:schemeClr val="accent1"/>
+          </a:fillRef>
+          <a:effectRef idx="0">
+            <a:schemeClr val="accent1"/>
+          </a:effectRef>
+          <a:fontRef idx="minor">
+            <a:schemeClr val="lt1"/>
+          </a:fontRef>
+        </p:style>
+        <p:txBody>
+          <a:bodyPr rtlCol="0" anchor="ctr"/>
+          <a:lstStyle/>
+          <a:p>
+            <a:pPr algn="ctr"/>
+            <a:endParaRPr lang="ru-RU"/>
+          </a:p>
+        </p:txBody>
+      </p:sp>
+    </p:spTree>
+    <p:extLst>
+      <p:ext uri="{BB962C8B-B14F-4D97-AF65-F5344CB8AC3E}">
+        <p14:creationId xmlns:p14="http://schemas.microsoft.com/office/powerpoint/2010/main" val="457763014"/>
+      </p:ext>
+    </p:extLst>
+  </p:cSld>
+  <p:clrMapOvr>
+    <a:masterClrMapping/>
+  </p:clrMapOvr>
+</p:sld>
+</file>
+
+<file path=ppt/slides/slide7.xml><?xml version="1.0" encoding="utf-8"?>
+<p:sld xmlns:a="http://schemas.openxmlformats.org/drawingml/2006/main" xmlns:r="http://schemas.openxmlformats.org/officeDocument/2006/relationships" xmlns:p="http://schemas.openxmlformats.org/presentationml/2006/main">
+  <p:cSld>
+    <p:bg>
+      <p:bgPr>
+        <a:solidFill>
+          <a:srgbClr val="F7FBF4"/>
+        </a:solidFill>
+        <a:effectLst/>
+      </p:bgPr>
+    </p:bg>
+    <p:spTree>
+      <p:nvGrpSpPr>
+        <p:cNvPr id="1" name=""/>
+        <p:cNvGrpSpPr/>
+        <p:nvPr/>
+      </p:nvGrpSpPr>
+      <p:grpSpPr>
+        <a:xfrm>
+          <a:off x="0" y="0"/>
+          <a:ext cx="0" cy="0"/>
+          <a:chOff x="0" y="0"/>
+          <a:chExt cx="0" cy="0"/>
+        </a:xfrm>
+      </p:grpSpPr>
+      <p:sp>
+        <p:nvSpPr>
+          <p:cNvPr id="2" name="Заголовок 1">
+            <a:extLst>
+              <a:ext uri="{FF2B5EF4-FFF2-40B4-BE49-F238E27FC236}">
+                <a16:creationId xmlns:a16="http://schemas.microsoft.com/office/drawing/2014/main" id="{910DCDE2-A44B-48BF-845D-B665588C79D3}"/>
+              </a:ext>
+            </a:extLst>
+          </p:cNvPr>
+          <p:cNvSpPr>
+            <a:spLocks noGrp="1"/>
+          </p:cNvSpPr>
+          <p:nvPr>
+            <p:ph type="title"/>
+          </p:nvPr>
+        </p:nvSpPr>
+        <p:spPr/>
+        <p:txBody>
+          <a:bodyPr/>
+          <a:lstStyle/>
+          <a:p>
+            <a:r>
+              <a:rPr lang="ru-RU" dirty="0"/>
+              <a:t>Разработка</a:t>
+            </a:r>
+          </a:p>
+        </p:txBody>
+      </p:sp>
+      <p:pic>
+        <p:nvPicPr>
+          <p:cNvPr id="5" name="Рисунок 4">
+            <a:extLst>
+              <a:ext uri="{FF2B5EF4-FFF2-40B4-BE49-F238E27FC236}">
+                <a16:creationId xmlns:a16="http://schemas.microsoft.com/office/drawing/2014/main" id="{68029A43-F712-470F-806D-0493AD66D452}"/>
+              </a:ext>
+            </a:extLst>
+          </p:cNvPr>
+          <p:cNvPicPr>
+            <a:picLocks noChangeAspect="1"/>
+          </p:cNvPicPr>
+          <p:nvPr/>
+        </p:nvPicPr>
+        <p:blipFill>
+          <a:blip r:embed="rId3">
+            <a:extLst>
+              <a:ext uri="{28A0092B-C50C-407E-A947-70E740481C1C}">
+                <a14:useLocalDpi xmlns:a14="http://schemas.microsoft.com/office/drawing/2010/main" val="0"/>
+              </a:ext>
+            </a:extLst>
+          </a:blip>
+          <a:stretch>
+            <a:fillRect/>
+          </a:stretch>
+        </p:blipFill>
+        <p:spPr>
+          <a:xfrm>
+            <a:off x="838200" y="2336933"/>
+            <a:ext cx="2184133" cy="2184133"/>
+          </a:xfrm>
+          <a:prstGeom prst="rect">
+            <a:avLst/>
+          </a:prstGeom>
+          <a:effectLst>
+            <a:outerShdw blurRad="63500" sx="102000" sy="102000" algn="ctr" rotWithShape="0">
+              <a:prstClr val="black">
+                <a:alpha val="40000"/>
+              </a:prstClr>
+            </a:outerShdw>
+          </a:effectLst>
+        </p:spPr>
+      </p:pic>
+      <p:pic>
+        <p:nvPicPr>
+          <p:cNvPr id="7" name="Рисунок 6">
+            <a:extLst>
+              <a:ext uri="{FF2B5EF4-FFF2-40B4-BE49-F238E27FC236}">
+                <a16:creationId xmlns:a16="http://schemas.microsoft.com/office/drawing/2014/main" id="{E0B004DF-CEEF-4243-91BA-3BC7C3D582F2}"/>
+              </a:ext>
+            </a:extLst>
+          </p:cNvPr>
+          <p:cNvPicPr>
+            <a:picLocks noChangeAspect="1"/>
+          </p:cNvPicPr>
+          <p:nvPr/>
+        </p:nvPicPr>
+        <p:blipFill>
+          <a:blip r:embed="rId4">
+            <a:extLst>
+              <a:ext uri="{28A0092B-C50C-407E-A947-70E740481C1C}">
+                <a14:useLocalDpi xmlns:a14="http://schemas.microsoft.com/office/drawing/2010/main" val="0"/>
+              </a:ext>
+            </a:extLst>
+          </a:blip>
+          <a:stretch>
+            <a:fillRect/>
+          </a:stretch>
+        </p:blipFill>
+        <p:spPr>
+          <a:xfrm>
+            <a:off x="4536708" y="2587468"/>
+            <a:ext cx="3118585" cy="1683549"/>
+          </a:xfrm>
+          <a:prstGeom prst="rect">
+            <a:avLst/>
+          </a:prstGeom>
+          <a:effectLst>
+            <a:outerShdw blurRad="63500" sx="102000" sy="102000" algn="ctr" rotWithShape="0">
+              <a:prstClr val="black">
+                <a:alpha val="40000"/>
+              </a:prstClr>
+            </a:outerShdw>
+          </a:effectLst>
+        </p:spPr>
+      </p:pic>
+      <p:pic>
+        <p:nvPicPr>
+          <p:cNvPr id="9" name="Рисунок 8">
+            <a:extLst>
+              <a:ext uri="{FF2B5EF4-FFF2-40B4-BE49-F238E27FC236}">
+                <a16:creationId xmlns:a16="http://schemas.microsoft.com/office/drawing/2014/main" id="{1B13DBA9-DB6E-4AE7-BA0F-038FDAE41381}"/>
+              </a:ext>
+            </a:extLst>
+          </p:cNvPr>
+          <p:cNvPicPr>
+            <a:picLocks noChangeAspect="1"/>
+          </p:cNvPicPr>
+          <p:nvPr/>
+        </p:nvPicPr>
+        <p:blipFill>
+          <a:blip r:embed="rId5"/>
+          <a:stretch>
+            <a:fillRect/>
+          </a:stretch>
+        </p:blipFill>
+        <p:spPr>
+          <a:xfrm>
+            <a:off x="9019849" y="2187115"/>
+            <a:ext cx="2333951" cy="2333951"/>
+          </a:xfrm>
+          <a:prstGeom prst="rect">
+            <a:avLst/>
+          </a:prstGeom>
+          <a:effectLst>
+            <a:outerShdw blurRad="63500" sx="102000" sy="102000" algn="ctr" rotWithShape="0">
+              <a:prstClr val="black">
+                <a:alpha val="40000"/>
+              </a:prstClr>
+            </a:outerShdw>
+          </a:effectLst>
+        </p:spPr>
+      </p:pic>
+    </p:spTree>
+    <p:extLst>
+      <p:ext uri="{BB962C8B-B14F-4D97-AF65-F5344CB8AC3E}">
+        <p14:creationId xmlns:p14="http://schemas.microsoft.com/office/powerpoint/2010/main" val="3307323119"/>
+      </p:ext>
+    </p:extLst>
+  </p:cSld>
+  <p:clrMapOvr>
+    <a:masterClrMapping/>
+  </p:clrMapOvr>
+</p:sld>
+</file>
+
+<file path=ppt/slides/slide8.xml><?xml version="1.0" encoding="utf-8"?>
+<p:sld xmlns:a="http://schemas.openxmlformats.org/drawingml/2006/main" xmlns:r="http://schemas.openxmlformats.org/officeDocument/2006/relationships" xmlns:p="http://schemas.openxmlformats.org/presentationml/2006/main">
+  <p:cSld>
+    <p:bg>
+      <p:bgPr>
+        <a:solidFill>
+          <a:srgbClr val="F7FBF4"/>
+        </a:solidFill>
+        <a:effectLst/>
+      </p:bgPr>
+    </p:bg>
+    <p:spTree>
+      <p:nvGrpSpPr>
+        <p:cNvPr id="1" name=""/>
+        <p:cNvGrpSpPr/>
+        <p:nvPr/>
+      </p:nvGrpSpPr>
+      <p:grpSpPr>
+        <a:xfrm>
+          <a:off x="0" y="0"/>
+          <a:ext cx="0" cy="0"/>
+          <a:chOff x="0" y="0"/>
+          <a:chExt cx="0" cy="0"/>
+        </a:xfrm>
+      </p:grpSpPr>
+      <p:pic>
+        <p:nvPicPr>
+          <p:cNvPr id="4" name="Объект 3">
+            <a:extLst>
+              <a:ext uri="{FF2B5EF4-FFF2-40B4-BE49-F238E27FC236}">
+                <a16:creationId xmlns:a16="http://schemas.microsoft.com/office/drawing/2014/main" id="{DD49B1B3-BEB8-4337-A13D-F23D31E78F94}"/>
+              </a:ext>
+            </a:extLst>
+          </p:cNvPr>
+          <p:cNvPicPr>
+            <a:picLocks noGrp="1"/>
+          </p:cNvPicPr>
+          <p:nvPr>
+            <p:ph idx="1"/>
+          </p:nvPr>
+        </p:nvPicPr>
+        <p:blipFill>
+          <a:blip r:embed="rId2"/>
+          <a:stretch>
+            <a:fillRect/>
+          </a:stretch>
+        </p:blipFill>
+        <p:spPr>
+          <a:xfrm>
+            <a:off x="4089717" y="370814"/>
+            <a:ext cx="4012566" cy="5806149"/>
+          </a:xfrm>
+          <a:prstGeom prst="rect">
+            <a:avLst/>
+          </a:prstGeom>
+          <a:effectLst>
+            <a:outerShdw blurRad="63500" sx="102000" sy="102000" algn="ctr" rotWithShape="0">
+              <a:prstClr val="black">
+                <a:alpha val="40000"/>
+              </a:prstClr>
+            </a:outerShdw>
+          </a:effectLst>
+        </p:spPr>
+      </p:pic>
+      <p:sp>
+        <p:nvSpPr>
+          <p:cNvPr id="5" name="Управляющая кнопка: &quot;Назад&quot; или &quot;Предыдущий&quot; 4">
+            <a:hlinkClick r:id="" action="ppaction://hlinkshowjump?jump=previousslide" highlightClick="1"/>
+            <a:extLst>
+              <a:ext uri="{FF2B5EF4-FFF2-40B4-BE49-F238E27FC236}">
+                <a16:creationId xmlns:a16="http://schemas.microsoft.com/office/drawing/2014/main" id="{14B80D6D-8383-494A-966C-020C9A1AB1E9}"/>
+              </a:ext>
+            </a:extLst>
+          </p:cNvPr>
+          <p:cNvSpPr/>
+          <p:nvPr/>
+        </p:nvSpPr>
+        <p:spPr>
+          <a:xfrm>
+            <a:off x="11472000" y="6138000"/>
+            <a:ext cx="720000" cy="720000"/>
+          </a:xfrm>
+          <a:prstGeom prst="actionButtonBackPrevious">
+            <a:avLst/>
+          </a:prstGeom>
+        </p:spPr>
+        <p:style>
+          <a:lnRef idx="2">
+            <a:schemeClr val="accent1">
+              <a:shade val="50000"/>
+            </a:schemeClr>
+          </a:lnRef>
+          <a:fillRef idx="1">
+            <a:schemeClr val="accent1"/>
+          </a:fillRef>
+          <a:effectRef idx="0">
+            <a:schemeClr val="accent1"/>
+          </a:effectRef>
+          <a:fontRef idx="minor">
+            <a:schemeClr val="lt1"/>
+          </a:fontRef>
+        </p:style>
+        <p:txBody>
+          <a:bodyPr rtlCol="0" anchor="ctr"/>
+          <a:lstStyle/>
+          <a:p>
+            <a:pPr algn="ctr"/>
+            <a:endParaRPr lang="ru-RU"/>
+          </a:p>
+        </p:txBody>
+      </p:sp>
+    </p:spTree>
+    <p:extLst>
+      <p:ext uri="{BB962C8B-B14F-4D97-AF65-F5344CB8AC3E}">
+        <p14:creationId xmlns:p14="http://schemas.microsoft.com/office/powerpoint/2010/main" val="830232676"/>
       </p:ext>
     </p:extLst>
   </p:cSld>

--- a/Презентация Microsoft PowerPoint.pptx
+++ b/Презентация Microsoft PowerPoint.pptx
@@ -5,17 +5,18 @@
     <p:sldMasterId id="2147483648" r:id="rId1"/>
   </p:sldMasterIdLst>
   <p:notesMasterIdLst>
-    <p:notesMasterId r:id="rId10"/>
+    <p:notesMasterId r:id="rId11"/>
   </p:notesMasterIdLst>
   <p:sldIdLst>
     <p:sldId id="256" r:id="rId2"/>
-    <p:sldId id="264" r:id="rId3"/>
-    <p:sldId id="259" r:id="rId4"/>
-    <p:sldId id="258" r:id="rId5"/>
-    <p:sldId id="260" r:id="rId6"/>
-    <p:sldId id="261" r:id="rId7"/>
+    <p:sldId id="268" r:id="rId3"/>
+    <p:sldId id="264" r:id="rId4"/>
+    <p:sldId id="269" r:id="rId5"/>
+    <p:sldId id="265" r:id="rId6"/>
+    <p:sldId id="266" r:id="rId7"/>
     <p:sldId id="263" r:id="rId8"/>
-    <p:sldId id="262" r:id="rId9"/>
+    <p:sldId id="267" r:id="rId9"/>
+    <p:sldId id="270" r:id="rId10"/>
   </p:sldIdLst>
   <p:sldSz cx="12192000" cy="6858000"/>
   <p:notesSz cx="6858000" cy="9144000"/>
@@ -120,17 +121,14 @@
         <p14:section name="Раздел по умолчанию" id="{728DBF53-64CA-488D-A9D9-30090B52410E}">
           <p14:sldIdLst>
             <p14:sldId id="256"/>
+            <p14:sldId id="268"/>
             <p14:sldId id="264"/>
-            <p14:sldId id="259"/>
-            <p14:sldId id="258"/>
-            <p14:sldId id="260"/>
-            <p14:sldId id="261"/>
+            <p14:sldId id="269"/>
+            <p14:sldId id="265"/>
+            <p14:sldId id="266"/>
             <p14:sldId id="263"/>
-          </p14:sldIdLst>
-        </p14:section>
-        <p14:section name="Доп. материалы" id="{6AA036D8-BA15-4043-9407-FB428FEC957B}">
-          <p14:sldIdLst>
-            <p14:sldId id="262"/>
+            <p14:sldId id="267"/>
+            <p14:sldId id="270"/>
           </p14:sldIdLst>
         </p14:section>
       </p14:sectionLst>
@@ -224,7 +222,7 @@
           <a:p>
             <a:fld id="{314ECABA-3D13-454A-985D-3181A851457E}" type="datetimeFigureOut">
               <a:rPr lang="ru-RU" smtClean="0"/>
-              <a:t>14.02.2024</a:t>
+              <a:t>15.02.2024</a:t>
             </a:fld>
             <a:endParaRPr lang="ru-RU"/>
           </a:p>
@@ -535,10 +533,7 @@
           <a:bodyPr/>
           <a:lstStyle/>
           <a:p>
-            <a:r>
-              <a:rPr lang="ru-RU" dirty="0"/>
-              <a:t>Целью проекта выступает создание серверной части веб-приложения, для автоматизации некоторых процессов управления автосервисом, а также для привлечения новых пользователей.</a:t>
-            </a:r>
+            <a:endParaRPr lang="ru-RU" dirty="0"/>
           </a:p>
         </p:txBody>
       </p:sp>
@@ -568,7 +563,7 @@
     </p:spTree>
     <p:extLst>
       <p:ext uri="{BB962C8B-B14F-4D97-AF65-F5344CB8AC3E}">
-        <p14:creationId xmlns:p14="http://schemas.microsoft.com/office/powerpoint/2010/main" val="2468550571"/>
+        <p14:creationId xmlns:p14="http://schemas.microsoft.com/office/powerpoint/2010/main" val="1730983403"/>
       </p:ext>
     </p:extLst>
   </p:cSld>
@@ -624,15 +619,7 @@
           <a:p>
             <a:r>
               <a:rPr lang="ru-RU" dirty="0"/>
-              <a:t>На главной странице сайта пользователь может посмотреть, какие услуги предлагает автосервис, избранные отзывы, а также посмотреть расположение автомастерской на карте используя виджет </a:t>
-            </a:r>
-            <a:r>
-              <a:rPr lang="ru-RU" dirty="0" err="1"/>
-              <a:t>Яндекс.Карты</a:t>
-            </a:r>
-            <a:r>
-              <a:rPr lang="ru-RU" dirty="0"/>
-              <a:t>. С главной страницы пользователь может перейти на страницу отправки заявки.</a:t>
+              <a:t>Целью проекта выступает создание серверной части веб-приложения, для автоматизации некоторых процессов управления автосервисом, а также для привлечения новых пользователей.</a:t>
             </a:r>
           </a:p>
         </p:txBody>
@@ -663,7 +650,7 @@
     </p:spTree>
     <p:extLst>
       <p:ext uri="{BB962C8B-B14F-4D97-AF65-F5344CB8AC3E}">
-        <p14:creationId xmlns:p14="http://schemas.microsoft.com/office/powerpoint/2010/main" val="4215348491"/>
+        <p14:creationId xmlns:p14="http://schemas.microsoft.com/office/powerpoint/2010/main" val="2468550571"/>
       </p:ext>
     </p:extLst>
   </p:cSld>
@@ -717,10 +704,7 @@
           <a:bodyPr/>
           <a:lstStyle/>
           <a:p>
-            <a:r>
-              <a:rPr lang="ru-RU" dirty="0"/>
-              <a:t>Автоматизация отправки заявки позволяет ускорить процесс обработки заявок</a:t>
-            </a:r>
+            <a:endParaRPr lang="ru-RU" dirty="0"/>
           </a:p>
         </p:txBody>
       </p:sp>
@@ -750,7 +734,7 @@
     </p:spTree>
     <p:extLst>
       <p:ext uri="{BB962C8B-B14F-4D97-AF65-F5344CB8AC3E}">
-        <p14:creationId xmlns:p14="http://schemas.microsoft.com/office/powerpoint/2010/main" val="2634619531"/>
+        <p14:creationId xmlns:p14="http://schemas.microsoft.com/office/powerpoint/2010/main" val="793020307"/>
       </p:ext>
     </p:extLst>
   </p:cSld>
@@ -806,19 +790,66 @@
           <a:p>
             <a:r>
               <a:rPr lang="ru-RU" dirty="0"/>
-              <a:t>Из панели управления работник автосервиса может получить доступ ко множеству функций, многие из которых доступны только для администраторов.</a:t>
-            </a:r>
-          </a:p>
-          <a:p>
+              <a:t>Для разработки использовалась среда разработки </a:t>
+            </a:r>
+            <a:r>
+              <a:rPr lang="en-US" dirty="0"/>
+              <a:t>Visual Studio Code</a:t>
+            </a:r>
             <a:r>
               <a:rPr lang="ru-RU" dirty="0"/>
-              <a:t>К функциям администраторов относятся такие функции как просмотр категорий услуг, редактирование доступных услуг, пользователей, должностей.</a:t>
-            </a:r>
-          </a:p>
-          <a:p>
+              <a:t>, язык программирования </a:t>
+            </a:r>
+            <a:r>
+              <a:rPr lang="en-US" dirty="0"/>
+              <a:t>PHP</a:t>
+            </a:r>
             <a:r>
               <a:rPr lang="ru-RU" dirty="0"/>
-              <a:t>Обычный работник имеет доступ только к просмотру списка заявок.</a:t>
+              <a:t>. Для отладки использовалась панель управления </a:t>
+            </a:r>
+            <a:r>
+              <a:rPr lang="en-US" dirty="0"/>
+              <a:t>Open Server.</a:t>
+            </a:r>
+            <a:endParaRPr lang="ru-RU" dirty="0"/>
+          </a:p>
+          <a:p>
+            <a:r>
+              <a:rPr lang="ru-RU" dirty="0"/>
+              <a:t>Дополнительными инструментами разработки выступают язык разметки </a:t>
+            </a:r>
+            <a:r>
+              <a:rPr lang="en-US" dirty="0"/>
+              <a:t>HTML, </a:t>
+            </a:r>
+            <a:r>
+              <a:rPr lang="ru-RU" dirty="0"/>
+              <a:t>язык стилей </a:t>
+            </a:r>
+            <a:r>
+              <a:rPr lang="en-US" dirty="0"/>
+              <a:t>CSS</a:t>
+            </a:r>
+            <a:r>
+              <a:rPr lang="ru-RU" dirty="0"/>
+              <a:t>, язык программирования </a:t>
+            </a:r>
+            <a:r>
+              <a:rPr lang="en-US" dirty="0"/>
+              <a:t>JavaScript</a:t>
+            </a:r>
+            <a:r>
+              <a:rPr lang="ru-RU" dirty="0"/>
+              <a:t>, а также язык запросов </a:t>
+            </a:r>
+            <a:r>
+              <a:rPr lang="en-US" dirty="0"/>
+              <a:t>SQL</a:t>
+            </a:r>
+            <a:r>
+              <a:rPr lang="ru-RU" dirty="0"/>
+              <a:t>.</a:t>
             </a:r>
           </a:p>
         </p:txBody>
@@ -840,7 +871,7 @@
           <a:p>
             <a:fld id="{80534C28-DFC1-4D08-9FDA-5AE4079130A4}" type="slidenum">
               <a:rPr lang="ru-RU" smtClean="0"/>
-              <a:t>5</a:t>
+              <a:t>7</a:t>
             </a:fld>
             <a:endParaRPr lang="ru-RU"/>
           </a:p>
@@ -849,7 +880,7 @@
     </p:spTree>
     <p:extLst>
       <p:ext uri="{BB962C8B-B14F-4D97-AF65-F5344CB8AC3E}">
-        <p14:creationId xmlns:p14="http://schemas.microsoft.com/office/powerpoint/2010/main" val="1524211875"/>
+        <p14:creationId xmlns:p14="http://schemas.microsoft.com/office/powerpoint/2010/main" val="2290676755"/>
       </p:ext>
     </p:extLst>
   </p:cSld>
@@ -903,16 +934,7 @@
           <a:bodyPr/>
           <a:lstStyle/>
           <a:p>
-            <a:r>
-              <a:rPr lang="ru-RU" dirty="0"/>
-              <a:t>На странице списка заявок можно очевидно увидеть список всех оставленных заявок, их статус и контактные данные, оставленные пользователем.</a:t>
-            </a:r>
-          </a:p>
-          <a:p>
-            <a:r>
-              <a:rPr lang="ru-RU" dirty="0"/>
-              <a:t>По умолчанию новые заявки получают статус «Ожидает проверки», и только после проверки и назначения рабочего на заявку можно приступать к выполнению работы. После выполнения указывается соответствующий статус заявки «Выполнено».</a:t>
-            </a:r>
+            <a:endParaRPr lang="ru-RU" dirty="0"/>
           </a:p>
         </p:txBody>
       </p:sp>
@@ -933,7 +955,7 @@
           <a:p>
             <a:fld id="{80534C28-DFC1-4D08-9FDA-5AE4079130A4}" type="slidenum">
               <a:rPr lang="ru-RU" smtClean="0"/>
-              <a:t>6</a:t>
+              <a:t>8</a:t>
             </a:fld>
             <a:endParaRPr lang="ru-RU"/>
           </a:p>
@@ -942,7 +964,7 @@
     </p:spTree>
     <p:extLst>
       <p:ext uri="{BB962C8B-B14F-4D97-AF65-F5344CB8AC3E}">
-        <p14:creationId xmlns:p14="http://schemas.microsoft.com/office/powerpoint/2010/main" val="1151824918"/>
+        <p14:creationId xmlns:p14="http://schemas.microsoft.com/office/powerpoint/2010/main" val="2496257374"/>
       </p:ext>
     </p:extLst>
   </p:cSld>
@@ -996,69 +1018,7 @@
           <a:bodyPr/>
           <a:lstStyle/>
           <a:p>
-            <a:r>
-              <a:rPr lang="ru-RU" dirty="0"/>
-              <a:t>Для разработки использовалась среда разработки </a:t>
-            </a:r>
-            <a:r>
-              <a:rPr lang="en-US" dirty="0"/>
-              <a:t>Visual Studio Code</a:t>
-            </a:r>
-            <a:r>
-              <a:rPr lang="ru-RU" dirty="0"/>
-              <a:t>, язык программирования </a:t>
-            </a:r>
-            <a:r>
-              <a:rPr lang="en-US" dirty="0"/>
-              <a:t>PHP</a:t>
-            </a:r>
-            <a:r>
-              <a:rPr lang="ru-RU" dirty="0"/>
-              <a:t>. Для отладки использовалась панель управления </a:t>
-            </a:r>
-            <a:r>
-              <a:rPr lang="en-US" dirty="0"/>
-              <a:t>Open Server.</a:t>
-            </a:r>
             <a:endParaRPr lang="ru-RU" dirty="0"/>
-          </a:p>
-          <a:p>
-            <a:r>
-              <a:rPr lang="ru-RU" dirty="0"/>
-              <a:t>Дополнительными инструментами разработки выступают язык разметки </a:t>
-            </a:r>
-            <a:r>
-              <a:rPr lang="en-US" dirty="0"/>
-              <a:t>HTML, </a:t>
-            </a:r>
-            <a:r>
-              <a:rPr lang="ru-RU" dirty="0"/>
-              <a:t>язык стилей </a:t>
-            </a:r>
-            <a:r>
-              <a:rPr lang="en-US" dirty="0"/>
-              <a:t>CSS</a:t>
-            </a:r>
-            <a:r>
-              <a:rPr lang="ru-RU" dirty="0"/>
-              <a:t>, язык программирования </a:t>
-            </a:r>
-            <a:r>
-              <a:rPr lang="en-US" dirty="0"/>
-              <a:t>JavaScript</a:t>
-            </a:r>
-            <a:r>
-              <a:rPr lang="ru-RU" dirty="0"/>
-              <a:t>, а также язык запросов </a:t>
-            </a:r>
-            <a:r>
-              <a:rPr lang="en-US" dirty="0"/>
-              <a:t>SQL</a:t>
-            </a:r>
-            <a:r>
-              <a:rPr lang="ru-RU" dirty="0"/>
-              <a:t>.</a:t>
-            </a:r>
           </a:p>
         </p:txBody>
       </p:sp>
@@ -1079,7 +1039,7 @@
           <a:p>
             <a:fld id="{80534C28-DFC1-4D08-9FDA-5AE4079130A4}" type="slidenum">
               <a:rPr lang="ru-RU" smtClean="0"/>
-              <a:t>7</a:t>
+              <a:t>9</a:t>
             </a:fld>
             <a:endParaRPr lang="ru-RU"/>
           </a:p>
@@ -1088,7 +1048,7 @@
     </p:spTree>
     <p:extLst>
       <p:ext uri="{BB962C8B-B14F-4D97-AF65-F5344CB8AC3E}">
-        <p14:creationId xmlns:p14="http://schemas.microsoft.com/office/powerpoint/2010/main" val="2290676755"/>
+        <p14:creationId xmlns:p14="http://schemas.microsoft.com/office/powerpoint/2010/main" val="3243908274"/>
       </p:ext>
     </p:extLst>
   </p:cSld>
@@ -1245,7 +1205,7 @@
           <a:p>
             <a:fld id="{AC4C89C0-494F-47A5-9121-36ADA30C7995}" type="datetimeFigureOut">
               <a:rPr lang="ru-RU" smtClean="0"/>
-              <a:t>14.02.2024</a:t>
+              <a:t>15.02.2024</a:t>
             </a:fld>
             <a:endParaRPr lang="ru-RU"/>
           </a:p>
@@ -1443,7 +1403,7 @@
           <a:p>
             <a:fld id="{AC4C89C0-494F-47A5-9121-36ADA30C7995}" type="datetimeFigureOut">
               <a:rPr lang="ru-RU" smtClean="0"/>
-              <a:t>14.02.2024</a:t>
+              <a:t>15.02.2024</a:t>
             </a:fld>
             <a:endParaRPr lang="ru-RU"/>
           </a:p>
@@ -1651,7 +1611,7 @@
           <a:p>
             <a:fld id="{AC4C89C0-494F-47A5-9121-36ADA30C7995}" type="datetimeFigureOut">
               <a:rPr lang="ru-RU" smtClean="0"/>
-              <a:t>14.02.2024</a:t>
+              <a:t>15.02.2024</a:t>
             </a:fld>
             <a:endParaRPr lang="ru-RU"/>
           </a:p>
@@ -1849,7 +1809,7 @@
           <a:p>
             <a:fld id="{AC4C89C0-494F-47A5-9121-36ADA30C7995}" type="datetimeFigureOut">
               <a:rPr lang="ru-RU" smtClean="0"/>
-              <a:t>14.02.2024</a:t>
+              <a:t>15.02.2024</a:t>
             </a:fld>
             <a:endParaRPr lang="ru-RU"/>
           </a:p>
@@ -2124,7 +2084,7 @@
           <a:p>
             <a:fld id="{AC4C89C0-494F-47A5-9121-36ADA30C7995}" type="datetimeFigureOut">
               <a:rPr lang="ru-RU" smtClean="0"/>
-              <a:t>14.02.2024</a:t>
+              <a:t>15.02.2024</a:t>
             </a:fld>
             <a:endParaRPr lang="ru-RU"/>
           </a:p>
@@ -2389,7 +2349,7 @@
           <a:p>
             <a:fld id="{AC4C89C0-494F-47A5-9121-36ADA30C7995}" type="datetimeFigureOut">
               <a:rPr lang="ru-RU" smtClean="0"/>
-              <a:t>14.02.2024</a:t>
+              <a:t>15.02.2024</a:t>
             </a:fld>
             <a:endParaRPr lang="ru-RU"/>
           </a:p>
@@ -2801,7 +2761,7 @@
           <a:p>
             <a:fld id="{AC4C89C0-494F-47A5-9121-36ADA30C7995}" type="datetimeFigureOut">
               <a:rPr lang="ru-RU" smtClean="0"/>
-              <a:t>14.02.2024</a:t>
+              <a:t>15.02.2024</a:t>
             </a:fld>
             <a:endParaRPr lang="ru-RU"/>
           </a:p>
@@ -2942,7 +2902,7 @@
           <a:p>
             <a:fld id="{AC4C89C0-494F-47A5-9121-36ADA30C7995}" type="datetimeFigureOut">
               <a:rPr lang="ru-RU" smtClean="0"/>
-              <a:t>14.02.2024</a:t>
+              <a:t>15.02.2024</a:t>
             </a:fld>
             <a:endParaRPr lang="ru-RU"/>
           </a:p>
@@ -3055,7 +3015,7 @@
           <a:p>
             <a:fld id="{AC4C89C0-494F-47A5-9121-36ADA30C7995}" type="datetimeFigureOut">
               <a:rPr lang="ru-RU" smtClean="0"/>
-              <a:t>14.02.2024</a:t>
+              <a:t>15.02.2024</a:t>
             </a:fld>
             <a:endParaRPr lang="ru-RU"/>
           </a:p>
@@ -3366,7 +3326,7 @@
           <a:p>
             <a:fld id="{AC4C89C0-494F-47A5-9121-36ADA30C7995}" type="datetimeFigureOut">
               <a:rPr lang="ru-RU" smtClean="0"/>
-              <a:t>14.02.2024</a:t>
+              <a:t>15.02.2024</a:t>
             </a:fld>
             <a:endParaRPr lang="ru-RU"/>
           </a:p>
@@ -3654,7 +3614,7 @@
           <a:p>
             <a:fld id="{AC4C89C0-494F-47A5-9121-36ADA30C7995}" type="datetimeFigureOut">
               <a:rPr lang="ru-RU" smtClean="0"/>
-              <a:t>14.02.2024</a:t>
+              <a:t>15.02.2024</a:t>
             </a:fld>
             <a:endParaRPr lang="ru-RU"/>
           </a:p>
@@ -3895,7 +3855,7 @@
           <a:p>
             <a:fld id="{AC4C89C0-494F-47A5-9121-36ADA30C7995}" type="datetimeFigureOut">
               <a:rPr lang="ru-RU" smtClean="0"/>
-              <a:t>14.02.2024</a:t>
+              <a:t>15.02.2024</a:t>
             </a:fld>
             <a:endParaRPr lang="ru-RU"/>
           </a:p>
@@ -4583,7 +4543,7 @@
             <a:pPr algn="ctr"/>
             <a:r>
               <a:rPr lang="ru-RU" dirty="0"/>
-              <a:t>Цель проекта</a:t>
+              <a:t>Актуальность</a:t>
             </a:r>
           </a:p>
         </p:txBody>
@@ -4591,7 +4551,7 @@
     </p:spTree>
     <p:extLst>
       <p:ext uri="{BB962C8B-B14F-4D97-AF65-F5344CB8AC3E}">
-        <p14:creationId xmlns:p14="http://schemas.microsoft.com/office/powerpoint/2010/main" val="1756366977"/>
+        <p14:creationId xmlns:p14="http://schemas.microsoft.com/office/powerpoint/2010/main" val="3703452373"/>
       </p:ext>
     </p:extLst>
   </p:cSld>
@@ -4628,10 +4588,10 @@
       </p:grpSpPr>
       <p:sp>
         <p:nvSpPr>
-          <p:cNvPr id="2" name="Заголовок 1">
-            <a:extLst>
-              <a:ext uri="{FF2B5EF4-FFF2-40B4-BE49-F238E27FC236}">
-                <a16:creationId xmlns:a16="http://schemas.microsoft.com/office/drawing/2014/main" id="{E248DD71-F8B1-4928-B017-4160FA5AD4A3}"/>
+          <p:cNvPr id="3" name="Заголовок 2">
+            <a:extLst>
+              <a:ext uri="{FF2B5EF4-FFF2-40B4-BE49-F238E27FC236}">
+                <a16:creationId xmlns:a16="http://schemas.microsoft.com/office/drawing/2014/main" id="{09614EB9-9E86-4977-A189-1CFDD44DD7AC}"/>
               </a:ext>
             </a:extLst>
           </p:cNvPr>
@@ -4642,83 +4602,28 @@
             <p:ph type="title"/>
           </p:nvPr>
         </p:nvSpPr>
-        <p:spPr/>
-        <p:txBody>
-          <a:bodyPr/>
-          <a:lstStyle/>
-          <a:p>
-            <a:pPr algn="ctr"/>
-            <a:r>
-              <a:rPr lang="ru-RU" dirty="0"/>
-              <a:t>Главная страница</a:t>
-            </a:r>
-          </a:p>
-        </p:txBody>
-      </p:sp>
-      <p:sp>
-        <p:nvSpPr>
-          <p:cNvPr id="4" name="Текст 3">
-            <a:extLst>
-              <a:ext uri="{FF2B5EF4-FFF2-40B4-BE49-F238E27FC236}">
-                <a16:creationId xmlns:a16="http://schemas.microsoft.com/office/drawing/2014/main" id="{BC6CBD44-0D41-4F30-9A6D-D53D882C08E7}"/>
-              </a:ext>
-            </a:extLst>
-          </p:cNvPr>
-          <p:cNvSpPr>
-            <a:spLocks noGrp="1"/>
-          </p:cNvSpPr>
-          <p:nvPr>
-            <p:ph type="body" sz="half" idx="2"/>
-          </p:nvPr>
-        </p:nvSpPr>
-        <p:spPr/>
-        <p:txBody>
-          <a:bodyPr/>
-          <a:lstStyle/>
-          <a:p>
-            <a:endParaRPr lang="ru-RU" dirty="0"/>
-          </a:p>
-        </p:txBody>
-      </p:sp>
-      <p:pic>
-        <p:nvPicPr>
-          <p:cNvPr id="5" name="Рисунок 4">
-            <a:extLst>
-              <a:ext uri="{FF2B5EF4-FFF2-40B4-BE49-F238E27FC236}">
-                <a16:creationId xmlns:a16="http://schemas.microsoft.com/office/drawing/2014/main" id="{7967C47F-65E5-4DCF-8F54-295F94CC5877}"/>
-              </a:ext>
-            </a:extLst>
-          </p:cNvPr>
-          <p:cNvPicPr/>
-          <p:nvPr/>
-        </p:nvPicPr>
-        <p:blipFill>
-          <a:blip r:embed="rId3"/>
-          <a:stretch>
-            <a:fillRect/>
-          </a:stretch>
-        </p:blipFill>
         <p:spPr>
           <a:xfrm>
-            <a:off x="6169980" y="-4911"/>
-            <a:ext cx="4566083" cy="6862911"/>
+            <a:off x="838200" y="2766219"/>
+            <a:ext cx="10515600" cy="1325563"/>
           </a:xfrm>
-          <a:prstGeom prst="rect">
-            <a:avLst/>
-          </a:prstGeom>
-          <a:effectLst>
-            <a:outerShdw blurRad="63500" sx="102000" sy="102000" algn="ctr" rotWithShape="0">
-              <a:prstClr val="black">
-                <a:alpha val="40000"/>
-              </a:prstClr>
-            </a:outerShdw>
-          </a:effectLst>
         </p:spPr>
-      </p:pic>
+        <p:txBody>
+          <a:bodyPr/>
+          <a:lstStyle/>
+          <a:p>
+            <a:pPr algn="ctr"/>
+            <a:r>
+              <a:rPr lang="ru-RU" dirty="0"/>
+              <a:t>Цель проекта</a:t>
+            </a:r>
+          </a:p>
+        </p:txBody>
+      </p:sp>
     </p:spTree>
     <p:extLst>
       <p:ext uri="{BB962C8B-B14F-4D97-AF65-F5344CB8AC3E}">
-        <p14:creationId xmlns:p14="http://schemas.microsoft.com/office/powerpoint/2010/main" val="2811690441"/>
+        <p14:creationId xmlns:p14="http://schemas.microsoft.com/office/powerpoint/2010/main" val="1756366977"/>
       </p:ext>
     </p:extLst>
   </p:cSld>
@@ -4755,10 +4660,10 @@
       </p:grpSpPr>
       <p:sp>
         <p:nvSpPr>
-          <p:cNvPr id="2" name="Заголовок 1">
-            <a:extLst>
-              <a:ext uri="{FF2B5EF4-FFF2-40B4-BE49-F238E27FC236}">
-                <a16:creationId xmlns:a16="http://schemas.microsoft.com/office/drawing/2014/main" id="{DAB36B7F-8238-42BB-9991-F14B9DA04006}"/>
+          <p:cNvPr id="3" name="Заголовок 2">
+            <a:extLst>
+              <a:ext uri="{FF2B5EF4-FFF2-40B4-BE49-F238E27FC236}">
+                <a16:creationId xmlns:a16="http://schemas.microsoft.com/office/drawing/2014/main" id="{09614EB9-9E86-4977-A189-1CFDD44DD7AC}"/>
               </a:ext>
             </a:extLst>
           </p:cNvPr>
@@ -4769,60 +4674,28 @@
             <p:ph type="title"/>
           </p:nvPr>
         </p:nvSpPr>
-        <p:spPr/>
-        <p:txBody>
-          <a:bodyPr/>
-          <a:lstStyle/>
-          <a:p>
-            <a:pPr algn="ctr"/>
-            <a:r>
-              <a:rPr lang="ru-RU" dirty="0"/>
-              <a:t>Автоматизация отправки заявки</a:t>
-            </a:r>
-          </a:p>
-        </p:txBody>
-      </p:sp>
-      <p:pic>
-        <p:nvPicPr>
-          <p:cNvPr id="5" name="Рисунок 4">
-            <a:extLst>
-              <a:ext uri="{FF2B5EF4-FFF2-40B4-BE49-F238E27FC236}">
-                <a16:creationId xmlns:a16="http://schemas.microsoft.com/office/drawing/2014/main" id="{A08360D2-9336-4E7E-A0DF-CD4C623025AD}"/>
-              </a:ext>
-            </a:extLst>
-          </p:cNvPr>
-          <p:cNvPicPr>
-            <a:picLocks noChangeAspect="1"/>
-          </p:cNvPicPr>
-          <p:nvPr/>
-        </p:nvPicPr>
-        <p:blipFill>
-          <a:blip r:embed="rId3"/>
-          <a:stretch>
-            <a:fillRect/>
-          </a:stretch>
-        </p:blipFill>
         <p:spPr>
           <a:xfrm>
-            <a:off x="2291640" y="1825625"/>
-            <a:ext cx="7608719" cy="4483528"/>
+            <a:off x="838200" y="2766219"/>
+            <a:ext cx="10515600" cy="1325563"/>
           </a:xfrm>
-          <a:prstGeom prst="rect">
-            <a:avLst/>
-          </a:prstGeom>
-          <a:effectLst>
-            <a:outerShdw blurRad="63500" sx="102000" sy="102000" algn="ctr" rotWithShape="0">
-              <a:prstClr val="black">
-                <a:alpha val="40000"/>
-              </a:prstClr>
-            </a:outerShdw>
-          </a:effectLst>
         </p:spPr>
-      </p:pic>
+        <p:txBody>
+          <a:bodyPr/>
+          <a:lstStyle/>
+          <a:p>
+            <a:pPr algn="ctr"/>
+            <a:r>
+              <a:rPr lang="ru-RU" dirty="0"/>
+              <a:t>Предметная область</a:t>
+            </a:r>
+          </a:p>
+        </p:txBody>
+      </p:sp>
     </p:spTree>
     <p:extLst>
       <p:ext uri="{BB962C8B-B14F-4D97-AF65-F5344CB8AC3E}">
-        <p14:creationId xmlns:p14="http://schemas.microsoft.com/office/powerpoint/2010/main" val="1050070818"/>
+        <p14:creationId xmlns:p14="http://schemas.microsoft.com/office/powerpoint/2010/main" val="2595898791"/>
       </p:ext>
     </p:extLst>
   </p:cSld>
@@ -4862,7 +4735,7 @@
           <p:cNvPr id="2" name="Заголовок 1">
             <a:extLst>
               <a:ext uri="{FF2B5EF4-FFF2-40B4-BE49-F238E27FC236}">
-                <a16:creationId xmlns:a16="http://schemas.microsoft.com/office/drawing/2014/main" id="{FF550B9C-F469-4C27-ADF8-86EEF663AAA0}"/>
+                <a16:creationId xmlns:a16="http://schemas.microsoft.com/office/drawing/2014/main" id="{270FBABF-BA8C-4139-B8BF-06C006AA04C3}"/>
               </a:ext>
             </a:extLst>
           </p:cNvPr>
@@ -4879,9 +4752,10 @@
           <a:lstStyle/>
           <a:p>
             <a:r>
-              <a:rPr lang="ru-RU" dirty="0"/>
-              <a:t>Панель управления</a:t>
-            </a:r>
+              <a:rPr lang="en-US" dirty="0"/>
+              <a:t>IDEF-0</a:t>
+            </a:r>
+            <a:endParaRPr lang="ru-RU" dirty="0"/>
           </a:p>
         </p:txBody>
       </p:sp>
@@ -4890,7 +4764,7 @@
           <p:cNvPr id="4" name="Объект 3">
             <a:extLst>
               <a:ext uri="{FF2B5EF4-FFF2-40B4-BE49-F238E27FC236}">
-                <a16:creationId xmlns:a16="http://schemas.microsoft.com/office/drawing/2014/main" id="{33F5E4AE-6146-41CD-90CC-5CECA5718895}"/>
+                <a16:creationId xmlns:a16="http://schemas.microsoft.com/office/drawing/2014/main" id="{79210127-9D08-4C2F-89B5-C8A9352BFE04}"/>
               </a:ext>
             </a:extLst>
           </p:cNvPr>
@@ -4902,32 +4776,31 @@
           </p:nvPr>
         </p:nvPicPr>
         <p:blipFill>
-          <a:blip r:embed="rId3"/>
+          <a:blip r:embed="rId2" cstate="print">
+            <a:extLst>
+              <a:ext uri="{28A0092B-C50C-407E-A947-70E740481C1C}">
+                <a14:useLocalDpi xmlns:a14="http://schemas.microsoft.com/office/drawing/2010/main" val="0"/>
+              </a:ext>
+            </a:extLst>
+          </a:blip>
           <a:stretch>
             <a:fillRect/>
           </a:stretch>
         </p:blipFill>
         <p:spPr>
           <a:xfrm>
-            <a:off x="1013188" y="1825625"/>
-            <a:ext cx="10165624" cy="4351338"/>
+            <a:off x="3126135" y="1902229"/>
+            <a:ext cx="5939730" cy="4198130"/>
           </a:xfrm>
           <a:prstGeom prst="rect">
             <a:avLst/>
           </a:prstGeom>
-          <a:effectLst>
-            <a:outerShdw blurRad="63500" sx="102000" sy="102000" algn="ctr" rotWithShape="0">
-              <a:prstClr val="black">
-                <a:alpha val="40000"/>
-              </a:prstClr>
-            </a:outerShdw>
-          </a:effectLst>
         </p:spPr>
       </p:pic>
     </p:spTree>
     <p:extLst>
       <p:ext uri="{BB962C8B-B14F-4D97-AF65-F5344CB8AC3E}">
-        <p14:creationId xmlns:p14="http://schemas.microsoft.com/office/powerpoint/2010/main" val="2121100345"/>
+        <p14:creationId xmlns:p14="http://schemas.microsoft.com/office/powerpoint/2010/main" val="19928457"/>
       </p:ext>
     </p:extLst>
   </p:cSld>
@@ -4967,7 +4840,7 @@
           <p:cNvPr id="2" name="Заголовок 1">
             <a:extLst>
               <a:ext uri="{FF2B5EF4-FFF2-40B4-BE49-F238E27FC236}">
-                <a16:creationId xmlns:a16="http://schemas.microsoft.com/office/drawing/2014/main" id="{6C01429B-0572-4B95-B740-408AD8FB6A22}"/>
+                <a16:creationId xmlns:a16="http://schemas.microsoft.com/office/drawing/2014/main" id="{75995984-ECDB-41D5-AA23-8ED46AD3E6FC}"/>
               </a:ext>
             </a:extLst>
           </p:cNvPr>
@@ -4984,8 +4857,12 @@
           <a:lstStyle/>
           <a:p>
             <a:r>
+              <a:rPr lang="en-US" dirty="0"/>
+              <a:t>ER-</a:t>
+            </a:r>
+            <a:r>
               <a:rPr lang="ru-RU" dirty="0"/>
-              <a:t>Список заявок</a:t>
+              <a:t>Модель</a:t>
             </a:r>
           </a:p>
         </p:txBody>
@@ -4995,7 +4872,7 @@
           <p:cNvPr id="4" name="Объект 3">
             <a:extLst>
               <a:ext uri="{FF2B5EF4-FFF2-40B4-BE49-F238E27FC236}">
-                <a16:creationId xmlns:a16="http://schemas.microsoft.com/office/drawing/2014/main" id="{CD5D5650-2FCD-4069-A741-2DCBA6DABB42}"/>
+                <a16:creationId xmlns:a16="http://schemas.microsoft.com/office/drawing/2014/main" id="{4ACC7B9E-1769-49F5-952F-2146F0C82596}"/>
               </a:ext>
             </a:extLst>
           </p:cNvPr>
@@ -5007,79 +4884,25 @@
           </p:nvPr>
         </p:nvPicPr>
         <p:blipFill>
-          <a:blip r:embed="rId3"/>
+          <a:blip r:embed="rId2" cstate="print"/>
           <a:stretch>
             <a:fillRect/>
           </a:stretch>
         </p:blipFill>
         <p:spPr>
           <a:xfrm>
-            <a:off x="1923778" y="1825625"/>
-            <a:ext cx="8344443" cy="4351338"/>
+            <a:off x="3115510" y="1825625"/>
+            <a:ext cx="5960979" cy="4351338"/>
           </a:xfrm>
           <a:prstGeom prst="rect">
             <a:avLst/>
           </a:prstGeom>
-          <a:effectLst>
-            <a:outerShdw blurRad="63500" sx="102000" sy="102000" algn="ctr" rotWithShape="0">
-              <a:prstClr val="black">
-                <a:alpha val="40000"/>
-              </a:prstClr>
-            </a:outerShdw>
-          </a:effectLst>
         </p:spPr>
       </p:pic>
-      <p:sp>
-        <p:nvSpPr>
-          <p:cNvPr id="5" name="Управляющая кнопка: справка 4">
-            <a:hlinkClick r:id="rId4" action="ppaction://hlinksldjump" highlightClick="1"/>
-            <a:extLst>
-              <a:ext uri="{FF2B5EF4-FFF2-40B4-BE49-F238E27FC236}">
-                <a16:creationId xmlns:a16="http://schemas.microsoft.com/office/drawing/2014/main" id="{DCF2938B-EBEF-4BC1-9485-66AC636A0401}"/>
-              </a:ext>
-            </a:extLst>
-          </p:cNvPr>
-          <p:cNvSpPr/>
-          <p:nvPr/>
-        </p:nvSpPr>
-        <p:spPr>
-          <a:xfrm>
-            <a:off x="11472000" y="6138000"/>
-            <a:ext cx="720000" cy="720000"/>
-          </a:xfrm>
-          <a:prstGeom prst="actionButtonHelp">
-            <a:avLst/>
-          </a:prstGeom>
-        </p:spPr>
-        <p:style>
-          <a:lnRef idx="2">
-            <a:schemeClr val="accent1">
-              <a:shade val="50000"/>
-            </a:schemeClr>
-          </a:lnRef>
-          <a:fillRef idx="1">
-            <a:schemeClr val="accent1"/>
-          </a:fillRef>
-          <a:effectRef idx="0">
-            <a:schemeClr val="accent1"/>
-          </a:effectRef>
-          <a:fontRef idx="minor">
-            <a:schemeClr val="lt1"/>
-          </a:fontRef>
-        </p:style>
-        <p:txBody>
-          <a:bodyPr rtlCol="0" anchor="ctr"/>
-          <a:lstStyle/>
-          <a:p>
-            <a:pPr algn="ctr"/>
-            <a:endParaRPr lang="ru-RU"/>
-          </a:p>
-        </p:txBody>
-      </p:sp>
     </p:spTree>
     <p:extLst>
       <p:ext uri="{BB962C8B-B14F-4D97-AF65-F5344CB8AC3E}">
-        <p14:creationId xmlns:p14="http://schemas.microsoft.com/office/powerpoint/2010/main" val="457763014"/>
+        <p14:creationId xmlns:p14="http://schemas.microsoft.com/office/powerpoint/2010/main" val="3989638898"/>
       </p:ext>
     </p:extLst>
   </p:cSld>
@@ -5303,96 +5126,116 @@
           <a:chExt cx="0" cy="0"/>
         </a:xfrm>
       </p:grpSpPr>
-      <p:pic>
-        <p:nvPicPr>
-          <p:cNvPr id="4" name="Объект 3">
-            <a:extLst>
-              <a:ext uri="{FF2B5EF4-FFF2-40B4-BE49-F238E27FC236}">
-                <a16:creationId xmlns:a16="http://schemas.microsoft.com/office/drawing/2014/main" id="{DD49B1B3-BEB8-4337-A13D-F23D31E78F94}"/>
-              </a:ext>
-            </a:extLst>
-          </p:cNvPr>
-          <p:cNvPicPr>
-            <a:picLocks noGrp="1"/>
-          </p:cNvPicPr>
-          <p:nvPr>
-            <p:ph idx="1"/>
-          </p:nvPr>
-        </p:nvPicPr>
-        <p:blipFill>
-          <a:blip r:embed="rId2"/>
-          <a:stretch>
-            <a:fillRect/>
-          </a:stretch>
-        </p:blipFill>
+      <p:sp>
+        <p:nvSpPr>
+          <p:cNvPr id="3" name="Заголовок 2">
+            <a:extLst>
+              <a:ext uri="{FF2B5EF4-FFF2-40B4-BE49-F238E27FC236}">
+                <a16:creationId xmlns:a16="http://schemas.microsoft.com/office/drawing/2014/main" id="{09614EB9-9E86-4977-A189-1CFDD44DD7AC}"/>
+              </a:ext>
+            </a:extLst>
+          </p:cNvPr>
+          <p:cNvSpPr>
+            <a:spLocks noGrp="1"/>
+          </p:cNvSpPr>
+          <p:nvPr>
+            <p:ph type="title"/>
+          </p:nvPr>
+        </p:nvSpPr>
         <p:spPr>
           <a:xfrm>
-            <a:off x="4089717" y="370814"/>
-            <a:ext cx="4012566" cy="5806149"/>
+            <a:off x="838200" y="2766219"/>
+            <a:ext cx="10515600" cy="1325563"/>
           </a:xfrm>
-          <a:prstGeom prst="rect">
-            <a:avLst/>
-          </a:prstGeom>
-          <a:effectLst>
-            <a:outerShdw blurRad="63500" sx="102000" sy="102000" algn="ctr" rotWithShape="0">
-              <a:prstClr val="black">
-                <a:alpha val="40000"/>
-              </a:prstClr>
-            </a:outerShdw>
-          </a:effectLst>
         </p:spPr>
-      </p:pic>
-      <p:sp>
-        <p:nvSpPr>
-          <p:cNvPr id="5" name="Управляющая кнопка: &quot;Назад&quot; или &quot;Предыдущий&quot; 4">
-            <a:hlinkClick r:id="" action="ppaction://hlinkshowjump?jump=previousslide" highlightClick="1"/>
-            <a:extLst>
-              <a:ext uri="{FF2B5EF4-FFF2-40B4-BE49-F238E27FC236}">
-                <a16:creationId xmlns:a16="http://schemas.microsoft.com/office/drawing/2014/main" id="{14B80D6D-8383-494A-966C-020C9A1AB1E9}"/>
-              </a:ext>
-            </a:extLst>
-          </p:cNvPr>
-          <p:cNvSpPr/>
-          <p:nvPr/>
-        </p:nvSpPr>
-        <p:spPr>
-          <a:xfrm>
-            <a:off x="11472000" y="6138000"/>
-            <a:ext cx="720000" cy="720000"/>
-          </a:xfrm>
-          <a:prstGeom prst="actionButtonBackPrevious">
-            <a:avLst/>
-          </a:prstGeom>
-        </p:spPr>
-        <p:style>
-          <a:lnRef idx="2">
-            <a:schemeClr val="accent1">
-              <a:shade val="50000"/>
-            </a:schemeClr>
-          </a:lnRef>
-          <a:fillRef idx="1">
-            <a:schemeClr val="accent1"/>
-          </a:fillRef>
-          <a:effectRef idx="0">
-            <a:schemeClr val="accent1"/>
-          </a:effectRef>
-          <a:fontRef idx="minor">
-            <a:schemeClr val="lt1"/>
-          </a:fontRef>
-        </p:style>
-        <p:txBody>
-          <a:bodyPr rtlCol="0" anchor="ctr"/>
+        <p:txBody>
+          <a:bodyPr/>
           <a:lstStyle/>
           <a:p>
             <a:pPr algn="ctr"/>
-            <a:endParaRPr lang="ru-RU"/>
+            <a:r>
+              <a:rPr lang="ru-RU" dirty="0"/>
+              <a:t>Функционал</a:t>
+            </a:r>
           </a:p>
         </p:txBody>
       </p:sp>
     </p:spTree>
     <p:extLst>
       <p:ext uri="{BB962C8B-B14F-4D97-AF65-F5344CB8AC3E}">
-        <p14:creationId xmlns:p14="http://schemas.microsoft.com/office/powerpoint/2010/main" val="830232676"/>
+        <p14:creationId xmlns:p14="http://schemas.microsoft.com/office/powerpoint/2010/main" val="3955489100"/>
+      </p:ext>
+    </p:extLst>
+  </p:cSld>
+  <p:clrMapOvr>
+    <a:masterClrMapping/>
+  </p:clrMapOvr>
+</p:sld>
+</file>
+
+<file path=ppt/slides/slide9.xml><?xml version="1.0" encoding="utf-8"?>
+<p:sld xmlns:a="http://schemas.openxmlformats.org/drawingml/2006/main" xmlns:r="http://schemas.openxmlformats.org/officeDocument/2006/relationships" xmlns:p="http://schemas.openxmlformats.org/presentationml/2006/main">
+  <p:cSld>
+    <p:bg>
+      <p:bgPr>
+        <a:solidFill>
+          <a:srgbClr val="F7FBF4"/>
+        </a:solidFill>
+        <a:effectLst/>
+      </p:bgPr>
+    </p:bg>
+    <p:spTree>
+      <p:nvGrpSpPr>
+        <p:cNvPr id="1" name=""/>
+        <p:cNvGrpSpPr/>
+        <p:nvPr/>
+      </p:nvGrpSpPr>
+      <p:grpSpPr>
+        <a:xfrm>
+          <a:off x="0" y="0"/>
+          <a:ext cx="0" cy="0"/>
+          <a:chOff x="0" y="0"/>
+          <a:chExt cx="0" cy="0"/>
+        </a:xfrm>
+      </p:grpSpPr>
+      <p:sp>
+        <p:nvSpPr>
+          <p:cNvPr id="3" name="Заголовок 2">
+            <a:extLst>
+              <a:ext uri="{FF2B5EF4-FFF2-40B4-BE49-F238E27FC236}">
+                <a16:creationId xmlns:a16="http://schemas.microsoft.com/office/drawing/2014/main" id="{09614EB9-9E86-4977-A189-1CFDD44DD7AC}"/>
+              </a:ext>
+            </a:extLst>
+          </p:cNvPr>
+          <p:cNvSpPr>
+            <a:spLocks noGrp="1"/>
+          </p:cNvSpPr>
+          <p:nvPr>
+            <p:ph type="title"/>
+          </p:nvPr>
+        </p:nvSpPr>
+        <p:spPr>
+          <a:xfrm>
+            <a:off x="838200" y="2766219"/>
+            <a:ext cx="10515600" cy="1325563"/>
+          </a:xfrm>
+        </p:spPr>
+        <p:txBody>
+          <a:bodyPr/>
+          <a:lstStyle/>
+          <a:p>
+            <a:pPr algn="ctr"/>
+            <a:r>
+              <a:rPr lang="ru-RU" dirty="0"/>
+              <a:t>Заключение</a:t>
+            </a:r>
+          </a:p>
+        </p:txBody>
+      </p:sp>
+    </p:spTree>
+    <p:extLst>
+      <p:ext uri="{BB962C8B-B14F-4D97-AF65-F5344CB8AC3E}">
+        <p14:creationId xmlns:p14="http://schemas.microsoft.com/office/powerpoint/2010/main" val="1456687395"/>
       </p:ext>
     </p:extLst>
   </p:cSld>
